--- a/presentation/sandpile_presentation.pptx
+++ b/presentation/sandpile_presentation.pptx
@@ -6,6 +6,7 @@
   </p:sldMasterIdLst>
   <p:sldIdLst>
     <p:sldId id="256" r:id="rId2"/>
+    <p:sldId id="257" r:id="rId3"/>
   </p:sldIdLst>
   <p:sldSz cx="12192000" cy="6858000"/>
   <p:notesSz cx="6858000" cy="9144000"/>
@@ -110,6 +111,58 @@
     </p:ext>
   </p:extLst>
 </p:presentation>
+</file>
+
+<file path=ppt/revisionInfo.xml><?xml version="1.0" encoding="utf-8"?>
+<p1510:revInfo xmlns:a="http://schemas.openxmlformats.org/drawingml/2006/main" xmlns:r="http://schemas.openxmlformats.org/officeDocument/2006/relationships" xmlns:p1510="http://schemas.microsoft.com/office/powerpoint/2015/10/main">
+  <p1510:revLst>
+    <p1510:client id="{0922AEC4-DB8B-493D-8645-9F00D4F9C7B1}" v="14" dt="2024-03-20T10:48:31.069"/>
+  </p1510:revLst>
+</p1510:revInfo>
+</file>
+
+<file path=ppt/changesInfos/changesInfo1.xml><?xml version="1.0" encoding="utf-8"?>
+<pc:chgInfo xmlns:a="http://schemas.openxmlformats.org/drawingml/2006/main" xmlns:r="http://schemas.openxmlformats.org/officeDocument/2006/relationships" xmlns:ac="http://schemas.microsoft.com/office/drawing/2013/main/command" xmlns:pc="http://schemas.microsoft.com/office/powerpoint/2013/main/command">
+  <pc:docChgLst>
+    <pc:chgData name="Malena Held" userId="79e6395605f2fdc5" providerId="Windows Live" clId="Web-{0922AEC4-DB8B-493D-8645-9F00D4F9C7B1}"/>
+    <pc:docChg chg="addSld modSld">
+      <pc:chgData name="Malena Held" userId="79e6395605f2fdc5" providerId="Windows Live" clId="Web-{0922AEC4-DB8B-493D-8645-9F00D4F9C7B1}" dt="2024-03-20T10:48:29.835" v="11" actId="20577"/>
+      <pc:docMkLst>
+        <pc:docMk/>
+      </pc:docMkLst>
+      <pc:sldChg chg="modSp">
+        <pc:chgData name="Malena Held" userId="79e6395605f2fdc5" providerId="Windows Live" clId="Web-{0922AEC4-DB8B-493D-8645-9F00D4F9C7B1}" dt="2024-03-20T10:48:17.147" v="6" actId="20577"/>
+        <pc:sldMkLst>
+          <pc:docMk/>
+          <pc:sldMk cId="1577499883" sldId="256"/>
+        </pc:sldMkLst>
+        <pc:spChg chg="mod">
+          <ac:chgData name="Malena Held" userId="79e6395605f2fdc5" providerId="Windows Live" clId="Web-{0922AEC4-DB8B-493D-8645-9F00D4F9C7B1}" dt="2024-03-20T10:48:17.147" v="6" actId="20577"/>
+          <ac:spMkLst>
+            <pc:docMk/>
+            <pc:sldMk cId="1577499883" sldId="256"/>
+            <ac:spMk id="2" creationId="{00000000-0000-0000-0000-000000000000}"/>
+          </ac:spMkLst>
+        </pc:spChg>
+      </pc:sldChg>
+      <pc:sldChg chg="modSp new">
+        <pc:chgData name="Malena Held" userId="79e6395605f2fdc5" providerId="Windows Live" clId="Web-{0922AEC4-DB8B-493D-8645-9F00D4F9C7B1}" dt="2024-03-20T10:48:29.835" v="11" actId="20577"/>
+        <pc:sldMkLst>
+          <pc:docMk/>
+          <pc:sldMk cId="2319239730" sldId="257"/>
+        </pc:sldMkLst>
+        <pc:spChg chg="mod">
+          <ac:chgData name="Malena Held" userId="79e6395605f2fdc5" providerId="Windows Live" clId="Web-{0922AEC4-DB8B-493D-8645-9F00D4F9C7B1}" dt="2024-03-20T10:48:29.835" v="11" actId="20577"/>
+          <ac:spMkLst>
+            <pc:docMk/>
+            <pc:sldMk cId="2319239730" sldId="257"/>
+            <ac:spMk id="2" creationId="{DA9407CF-49D9-5BAB-E56E-65A0F58555D6}"/>
+          </ac:spMkLst>
+        </pc:spChg>
+      </pc:sldChg>
+    </pc:docChg>
+  </pc:docChgLst>
+</pc:chgInfo>
 </file>
 
 <file path=ppt/slideLayouts/slideLayout1.xml><?xml version="1.0" encoding="utf-8"?>
@@ -2963,7 +3016,14 @@
           <a:bodyPr/>
           <a:lstStyle/>
           <a:p>
-            <a:endParaRPr lang="de-DE"/>
+            <a:r>
+              <a:rPr lang="de-DE" dirty="0" err="1">
+                <a:ea typeface="Calibri Light"/>
+                <a:cs typeface="Calibri Light"/>
+              </a:rPr>
+              <a:t>Sandpile</a:t>
+            </a:r>
+            <a:endParaRPr lang="de-DE" dirty="0" err="1"/>
           </a:p>
         </p:txBody>
       </p:sp>
@@ -2990,6 +3050,93 @@
     <p:extLst>
       <p:ext uri="{BB962C8B-B14F-4D97-AF65-F5344CB8AC3E}">
         <p14:creationId xmlns:p14="http://schemas.microsoft.com/office/powerpoint/2010/main" val="1577499883"/>
+      </p:ext>
+    </p:extLst>
+  </p:cSld>
+  <p:clrMapOvr>
+    <a:masterClrMapping/>
+  </p:clrMapOvr>
+</p:sld>
+</file>
+
+<file path=ppt/slides/slide2.xml><?xml version="1.0" encoding="utf-8"?>
+<p:sld xmlns:a="http://schemas.openxmlformats.org/drawingml/2006/main" xmlns:r="http://schemas.openxmlformats.org/officeDocument/2006/relationships" xmlns:p="http://schemas.openxmlformats.org/presentationml/2006/main">
+  <p:cSld>
+    <p:spTree>
+      <p:nvGrpSpPr>
+        <p:cNvPr id="1" name=""/>
+        <p:cNvGrpSpPr/>
+        <p:nvPr/>
+      </p:nvGrpSpPr>
+      <p:grpSpPr>
+        <a:xfrm>
+          <a:off x="0" y="0"/>
+          <a:ext cx="0" cy="0"/>
+          <a:chOff x="0" y="0"/>
+          <a:chExt cx="0" cy="0"/>
+        </a:xfrm>
+      </p:grpSpPr>
+      <p:sp>
+        <p:nvSpPr>
+          <p:cNvPr id="2" name="Titel 1">
+            <a:extLst>
+              <a:ext uri="{FF2B5EF4-FFF2-40B4-BE49-F238E27FC236}">
+                <a16:creationId xmlns:a16="http://schemas.microsoft.com/office/drawing/2014/main" id="{DA9407CF-49D9-5BAB-E56E-65A0F58555D6}"/>
+              </a:ext>
+            </a:extLst>
+          </p:cNvPr>
+          <p:cNvSpPr>
+            <a:spLocks noGrp="1"/>
+          </p:cNvSpPr>
+          <p:nvPr>
+            <p:ph type="title"/>
+          </p:nvPr>
+        </p:nvSpPr>
+        <p:spPr/>
+        <p:txBody>
+          <a:bodyPr/>
+          <a:lstStyle/>
+          <a:p>
+            <a:r>
+              <a:rPr lang="de-DE" dirty="0">
+                <a:ea typeface="Calibri Light"/>
+                <a:cs typeface="Calibri Light"/>
+              </a:rPr>
+              <a:t>Outline</a:t>
+            </a:r>
+            <a:endParaRPr lang="de-DE" dirty="0"/>
+          </a:p>
+        </p:txBody>
+      </p:sp>
+      <p:sp>
+        <p:nvSpPr>
+          <p:cNvPr id="3" name="Inhaltsplatzhalter 2">
+            <a:extLst>
+              <a:ext uri="{FF2B5EF4-FFF2-40B4-BE49-F238E27FC236}">
+                <a16:creationId xmlns:a16="http://schemas.microsoft.com/office/drawing/2014/main" id="{F72FEA5E-64CF-F739-05EB-54A875A23C9E}"/>
+              </a:ext>
+            </a:extLst>
+          </p:cNvPr>
+          <p:cNvSpPr>
+            <a:spLocks noGrp="1"/>
+          </p:cNvSpPr>
+          <p:nvPr>
+            <p:ph idx="1"/>
+          </p:nvPr>
+        </p:nvSpPr>
+        <p:spPr/>
+        <p:txBody>
+          <a:bodyPr/>
+          <a:lstStyle/>
+          <a:p>
+            <a:endParaRPr lang="de-DE"/>
+          </a:p>
+        </p:txBody>
+      </p:sp>
+    </p:spTree>
+    <p:extLst>
+      <p:ext uri="{BB962C8B-B14F-4D97-AF65-F5344CB8AC3E}">
+        <p14:creationId xmlns:p14="http://schemas.microsoft.com/office/powerpoint/2010/main" val="2319239730"/>
       </p:ext>
     </p:extLst>
   </p:cSld>

--- a/presentation/sandpile_presentation.pptx
+++ b/presentation/sandpile_presentation.pptx
@@ -149,18 +149,18 @@
   <pc:docChgLst>
     <pc:chgData name="Malena Held" userId="79e6395605f2fdc5" providerId="LiveId" clId="{3800325C-10CC-45C1-A1DE-7E19F5BC76C9}"/>
     <pc:docChg chg="undo custSel addSld modSld">
-      <pc:chgData name="Malena Held" userId="79e6395605f2fdc5" providerId="LiveId" clId="{3800325C-10CC-45C1-A1DE-7E19F5BC76C9}" dt="2024-03-23T16:59:35.200" v="997" actId="20577"/>
+      <pc:chgData name="Malena Held" userId="79e6395605f2fdc5" providerId="LiveId" clId="{3800325C-10CC-45C1-A1DE-7E19F5BC76C9}" dt="2024-03-23T18:43:49.454" v="1075" actId="20577"/>
       <pc:docMkLst>
         <pc:docMk/>
       </pc:docMkLst>
       <pc:sldChg chg="addSp delSp modSp mod">
-        <pc:chgData name="Malena Held" userId="79e6395605f2fdc5" providerId="LiveId" clId="{3800325C-10CC-45C1-A1DE-7E19F5BC76C9}" dt="2024-03-23T15:38:59.163" v="37" actId="14100"/>
+        <pc:chgData name="Malena Held" userId="79e6395605f2fdc5" providerId="LiveId" clId="{3800325C-10CC-45C1-A1DE-7E19F5BC76C9}" dt="2024-03-23T18:41:35.609" v="1027" actId="478"/>
         <pc:sldMkLst>
           <pc:docMk/>
           <pc:sldMk cId="3143795157" sldId="258"/>
         </pc:sldMkLst>
         <pc:spChg chg="mod">
-          <ac:chgData name="Malena Held" userId="79e6395605f2fdc5" providerId="LiveId" clId="{3800325C-10CC-45C1-A1DE-7E19F5BC76C9}" dt="2024-03-23T15:38:52.179" v="36" actId="20577"/>
+          <ac:chgData name="Malena Held" userId="79e6395605f2fdc5" providerId="LiveId" clId="{3800325C-10CC-45C1-A1DE-7E19F5BC76C9}" dt="2024-03-23T18:41:22.862" v="998" actId="6549"/>
           <ac:spMkLst>
             <pc:docMk/>
             <pc:sldMk cId="3143795157" sldId="258"/>
@@ -168,7 +168,7 @@
           </ac:spMkLst>
         </pc:spChg>
         <pc:picChg chg="add mod">
-          <ac:chgData name="Malena Held" userId="79e6395605f2fdc5" providerId="LiveId" clId="{3800325C-10CC-45C1-A1DE-7E19F5BC76C9}" dt="2024-03-23T15:36:33.708" v="3" actId="571"/>
+          <ac:chgData name="Malena Held" userId="79e6395605f2fdc5" providerId="LiveId" clId="{3800325C-10CC-45C1-A1DE-7E19F5BC76C9}" dt="2024-03-23T18:41:31.081" v="1026" actId="1036"/>
           <ac:picMkLst>
             <pc:docMk/>
             <pc:sldMk cId="3143795157" sldId="258"/>
@@ -176,15 +176,15 @@
           </ac:picMkLst>
         </pc:picChg>
         <pc:picChg chg="mod">
-          <ac:chgData name="Malena Held" userId="79e6395605f2fdc5" providerId="LiveId" clId="{3800325C-10CC-45C1-A1DE-7E19F5BC76C9}" dt="2024-03-23T15:36:19.805" v="2" actId="1362"/>
+          <ac:chgData name="Malena Held" userId="79e6395605f2fdc5" providerId="LiveId" clId="{3800325C-10CC-45C1-A1DE-7E19F5BC76C9}" dt="2024-03-23T18:41:31.081" v="1026" actId="1036"/>
           <ac:picMkLst>
             <pc:docMk/>
             <pc:sldMk cId="3143795157" sldId="258"/>
             <ac:picMk id="6" creationId="{942F5C27-2111-058F-67A5-D665E1F2126B}"/>
           </ac:picMkLst>
         </pc:picChg>
-        <pc:picChg chg="mod">
-          <ac:chgData name="Malena Held" userId="79e6395605f2fdc5" providerId="LiveId" clId="{3800325C-10CC-45C1-A1DE-7E19F5BC76C9}" dt="2024-03-23T15:36:14.340" v="1" actId="1076"/>
+        <pc:picChg chg="del mod">
+          <ac:chgData name="Malena Held" userId="79e6395605f2fdc5" providerId="LiveId" clId="{3800325C-10CC-45C1-A1DE-7E19F5BC76C9}" dt="2024-03-23T18:41:35.609" v="1027" actId="478"/>
           <ac:picMkLst>
             <pc:docMk/>
             <pc:sldMk cId="3143795157" sldId="258"/>
@@ -208,7 +208,7 @@
           </ac:picMkLst>
         </pc:picChg>
         <pc:picChg chg="add mod">
-          <ac:chgData name="Malena Held" userId="79e6395605f2fdc5" providerId="LiveId" clId="{3800325C-10CC-45C1-A1DE-7E19F5BC76C9}" dt="2024-03-23T15:38:59.163" v="37" actId="14100"/>
+          <ac:chgData name="Malena Held" userId="79e6395605f2fdc5" providerId="LiveId" clId="{3800325C-10CC-45C1-A1DE-7E19F5BC76C9}" dt="2024-03-23T18:41:31.081" v="1026" actId="1036"/>
           <ac:picMkLst>
             <pc:docMk/>
             <pc:sldMk cId="3143795157" sldId="258"/>
@@ -443,6 +443,21 @@
             <ac:picMk id="10" creationId="{FDA30A03-8159-2887-9916-EC993B1C860C}"/>
           </ac:picMkLst>
         </pc:picChg>
+      </pc:sldChg>
+      <pc:sldChg chg="modSp mod">
+        <pc:chgData name="Malena Held" userId="79e6395605f2fdc5" providerId="LiveId" clId="{3800325C-10CC-45C1-A1DE-7E19F5BC76C9}" dt="2024-03-23T18:43:49.454" v="1075" actId="20577"/>
+        <pc:sldMkLst>
+          <pc:docMk/>
+          <pc:sldMk cId="4022279730" sldId="267"/>
+        </pc:sldMkLst>
+        <pc:spChg chg="mod">
+          <ac:chgData name="Malena Held" userId="79e6395605f2fdc5" providerId="LiveId" clId="{3800325C-10CC-45C1-A1DE-7E19F5BC76C9}" dt="2024-03-23T18:43:49.454" v="1075" actId="20577"/>
+          <ac:spMkLst>
+            <pc:docMk/>
+            <pc:sldMk cId="4022279730" sldId="267"/>
+            <ac:spMk id="3" creationId="{22F4AF7E-72BE-0E8B-C875-C95E27285988}"/>
+          </ac:spMkLst>
+        </pc:spChg>
       </pc:sldChg>
       <pc:sldChg chg="addSp delSp modSp mod modClrScheme chgLayout">
         <pc:chgData name="Malena Held" userId="79e6395605f2fdc5" providerId="LiveId" clId="{3800325C-10CC-45C1-A1DE-7E19F5BC76C9}" dt="2024-03-23T16:59:35.200" v="997" actId="20577"/>
@@ -11494,7 +11509,34 @@
           <a:bodyPr/>
           <a:lstStyle/>
           <a:p>
-            <a:endParaRPr lang="de-DE"/>
+            <a:pPr>
+              <a:buFont typeface="Arial" panose="020B0604020202020204" pitchFamily="34" charset="0"/>
+              <a:buChar char="•"/>
+            </a:pPr>
+            <a:r>
+              <a:rPr lang="de-DE" dirty="0"/>
+              <a:t> 1/f </a:t>
+            </a:r>
+            <a:r>
+              <a:rPr lang="de-DE" dirty="0" err="1"/>
+              <a:t>noise</a:t>
+            </a:r>
+            <a:endParaRPr lang="de-DE" dirty="0"/>
+          </a:p>
+          <a:p>
+            <a:pPr>
+              <a:buFont typeface="Arial" panose="020B0604020202020204" pitchFamily="34" charset="0"/>
+              <a:buChar char="•"/>
+            </a:pPr>
+            <a:r>
+              <a:rPr lang="de-DE" dirty="0"/>
+              <a:t> in </a:t>
+            </a:r>
+            <a:r>
+              <a:rPr lang="de-DE" dirty="0" err="1"/>
+              <a:t>resistors</a:t>
+            </a:r>
+            <a:endParaRPr lang="de-DE" dirty="0"/>
           </a:p>
         </p:txBody>
       </p:sp>
@@ -11915,14 +11957,6 @@
             <a:normAutofit/>
           </a:bodyPr>
           <a:lstStyle/>
-          <a:p>
-            <a:pPr>
-              <a:buNone/>
-            </a:pPr>
-            <a:endParaRPr lang="de-DE" dirty="0">
-              <a:cs typeface="Calibri"/>
-            </a:endParaRPr>
-          </a:p>
           <a:p>
             <a:pPr>
               <a:buFont typeface="Arial" panose="020F0502020204030204" pitchFamily="34" charset="0"/>
@@ -12186,37 +12220,8 @@
         </p:blipFill>
         <p:spPr>
           <a:xfrm>
-            <a:off x="2972739" y="3652771"/>
+            <a:off x="2972739" y="3187107"/>
             <a:ext cx="3349927" cy="484813"/>
-          </a:xfrm>
-          <a:prstGeom prst="rect">
-            <a:avLst/>
-          </a:prstGeom>
-        </p:spPr>
-      </p:pic>
-      <p:pic>
-        <p:nvPicPr>
-          <p:cNvPr id="8" name="Grafik 7" descr="Ein Bild, das Schrift, Typografie, Text, Handschrift enthält.&#10;&#10;Beschreibung automatisch generiert.">
-            <a:extLst>
-              <a:ext uri="{FF2B5EF4-FFF2-40B4-BE49-F238E27FC236}">
-                <a16:creationId xmlns:a16="http://schemas.microsoft.com/office/drawing/2014/main" id="{0E6D1AD9-F5BF-C6E3-38AD-908DFAA5AC8A}"/>
-              </a:ext>
-            </a:extLst>
-          </p:cNvPr>
-          <p:cNvPicPr>
-            <a:picLocks noChangeAspect="1"/>
-          </p:cNvPicPr>
-          <p:nvPr/>
-        </p:nvPicPr>
-        <p:blipFill rotWithShape="1">
-          <a:blip r:embed="rId4"/>
-          <a:srcRect l="5274" t="25472" r="78481" b="16981"/>
-          <a:stretch/>
-        </p:blipFill>
-        <p:spPr>
-          <a:xfrm>
-            <a:off x="3338394" y="3205229"/>
-            <a:ext cx="548996" cy="457581"/>
           </a:xfrm>
           <a:prstGeom prst="rect">
             <a:avLst/>
@@ -12244,7 +12249,7 @@
         </p:blipFill>
         <p:spPr>
           <a:xfrm>
-            <a:off x="3363794" y="3188295"/>
+            <a:off x="3363794" y="2722631"/>
             <a:ext cx="548996" cy="457581"/>
           </a:xfrm>
           <a:prstGeom prst="rect">
@@ -12274,7 +12279,7 @@
         </p:blipFill>
         <p:spPr>
           <a:xfrm>
-            <a:off x="2595340" y="4093418"/>
+            <a:off x="2595340" y="3627754"/>
             <a:ext cx="1426327" cy="365725"/>
           </a:xfrm>
           <a:prstGeom prst="rect">

--- a/presentation/sandpile_presentation.pptx
+++ b/presentation/sandpile_presentation.pptx
@@ -148,7 +148,7 @@
   <pc:docChgLst>
     <pc:chgData name="Malena Held" userId="79e6395605f2fdc5" providerId="LiveId" clId="{3800325C-10CC-45C1-A1DE-7E19F5BC76C9}"/>
     <pc:docChg chg="undo custSel addSld delSld modSld">
-      <pc:chgData name="Malena Held" userId="79e6395605f2fdc5" providerId="LiveId" clId="{3800325C-10CC-45C1-A1DE-7E19F5BC76C9}" dt="2024-03-24T12:48:16.752" v="1753" actId="47"/>
+      <pc:chgData name="Malena Held" userId="79e6395605f2fdc5" providerId="LiveId" clId="{3800325C-10CC-45C1-A1DE-7E19F5BC76C9}" dt="2024-03-24T14:08:32.357" v="1755" actId="47"/>
       <pc:docMkLst>
         <pc:docMk/>
       </pc:docMkLst>
@@ -945,6 +945,13 @@
             <ac:spMk id="6" creationId="{8722D4F9-C093-641C-C9C9-060A2E886B27}"/>
           </ac:spMkLst>
         </pc:spChg>
+      </pc:sldChg>
+      <pc:sldChg chg="add del">
+        <pc:chgData name="Malena Held" userId="79e6395605f2fdc5" providerId="LiveId" clId="{3800325C-10CC-45C1-A1DE-7E19F5BC76C9}" dt="2024-03-24T14:08:32.357" v="1755" actId="47"/>
+        <pc:sldMkLst>
+          <pc:docMk/>
+          <pc:sldMk cId="1559436822" sldId="269"/>
+        </pc:sldMkLst>
       </pc:sldChg>
       <pc:sldChg chg="del">
         <pc:chgData name="Malena Held" userId="79e6395605f2fdc5" providerId="LiveId" clId="{3800325C-10CC-45C1-A1DE-7E19F5BC76C9}" dt="2024-03-24T12:48:16.752" v="1753" actId="47"/>
@@ -1144,6 +1151,70 @@
     </pc:docChg>
   </pc:docChgLst>
   <pc:docChgLst>
+    <pc:chgData name="Malena Held" userId="79e6395605f2fdc5" providerId="Windows Live" clId="Web-{712D3049-D72A-4370-BFDD-5B23434C79DF}"/>
+    <pc:docChg chg="modSld">
+      <pc:chgData name="Malena Held" userId="79e6395605f2fdc5" providerId="Windows Live" clId="Web-{712D3049-D72A-4370-BFDD-5B23434C79DF}" dt="2024-03-23T15:18:29.397" v="102"/>
+      <pc:docMkLst>
+        <pc:docMk/>
+      </pc:docMkLst>
+      <pc:sldChg chg="addSp delSp modSp">
+        <pc:chgData name="Malena Held" userId="79e6395605f2fdc5" providerId="Windows Live" clId="Web-{712D3049-D72A-4370-BFDD-5B23434C79DF}" dt="2024-03-23T15:18:29.397" v="102"/>
+        <pc:sldMkLst>
+          <pc:docMk/>
+          <pc:sldMk cId="3143795157" sldId="258"/>
+        </pc:sldMkLst>
+        <pc:spChg chg="mod">
+          <ac:chgData name="Malena Held" userId="79e6395605f2fdc5" providerId="Windows Live" clId="Web-{712D3049-D72A-4370-BFDD-5B23434C79DF}" dt="2024-03-23T15:11:41.701" v="77" actId="20577"/>
+          <ac:spMkLst>
+            <pc:docMk/>
+            <pc:sldMk cId="3143795157" sldId="258"/>
+            <ac:spMk id="10" creationId="{8BD174E4-1399-F181-241D-BACA8A1C7EDD}"/>
+          </ac:spMkLst>
+        </pc:spChg>
+        <pc:picChg chg="add mod">
+          <ac:chgData name="Malena Held" userId="79e6395605f2fdc5" providerId="Windows Live" clId="Web-{712D3049-D72A-4370-BFDD-5B23434C79DF}" dt="2024-03-23T15:12:13.359" v="83"/>
+          <ac:picMkLst>
+            <pc:docMk/>
+            <pc:sldMk cId="3143795157" sldId="258"/>
+            <ac:picMk id="3" creationId="{A314C6A4-32DA-E021-6F1B-E3B850640800}"/>
+          </ac:picMkLst>
+        </pc:picChg>
+        <pc:picChg chg="add del mod">
+          <ac:chgData name="Malena Held" userId="79e6395605f2fdc5" providerId="Windows Live" clId="Web-{712D3049-D72A-4370-BFDD-5B23434C79DF}" dt="2024-03-23T15:13:59.131" v="89"/>
+          <ac:picMkLst>
+            <pc:docMk/>
+            <pc:sldMk cId="3143795157" sldId="258"/>
+            <ac:picMk id="5" creationId="{F7AC55DB-EDB2-DA21-82C3-16C63652C525}"/>
+          </ac:picMkLst>
+        </pc:picChg>
+        <pc:picChg chg="add del mod modCrop">
+          <ac:chgData name="Malena Held" userId="79e6395605f2fdc5" providerId="Windows Live" clId="Web-{712D3049-D72A-4370-BFDD-5B23434C79DF}" dt="2024-03-23T15:17:02.673" v="96"/>
+          <ac:picMkLst>
+            <pc:docMk/>
+            <pc:sldMk cId="3143795157" sldId="258"/>
+            <ac:picMk id="6" creationId="{6CD1F5E5-F36A-AAA8-14A4-33836088874C}"/>
+          </ac:picMkLst>
+        </pc:picChg>
+        <pc:picChg chg="add mod">
+          <ac:chgData name="Malena Held" userId="79e6395605f2fdc5" providerId="Windows Live" clId="Web-{712D3049-D72A-4370-BFDD-5B23434C79DF}" dt="2024-03-23T15:18:29.397" v="102"/>
+          <ac:picMkLst>
+            <pc:docMk/>
+            <pc:sldMk cId="3143795157" sldId="258"/>
+            <ac:picMk id="7" creationId="{EDB2D577-BBB3-F4BE-6CD6-1E04DF877CD6}"/>
+          </ac:picMkLst>
+        </pc:picChg>
+        <pc:picChg chg="add del mod">
+          <ac:chgData name="Malena Held" userId="79e6395605f2fdc5" providerId="Windows Live" clId="Web-{712D3049-D72A-4370-BFDD-5B23434C79DF}" dt="2024-03-23T15:09:25.583" v="3"/>
+          <ac:picMkLst>
+            <pc:docMk/>
+            <pc:sldMk cId="3143795157" sldId="258"/>
+            <ac:picMk id="16" creationId="{1B97AC71-B738-1F7B-EF33-6F338D792156}"/>
+          </ac:picMkLst>
+        </pc:picChg>
+      </pc:sldChg>
+    </pc:docChg>
+  </pc:docChgLst>
+  <pc:docChgLst>
     <pc:chgData name="Malena Held" userId="79e6395605f2fdc5" providerId="Windows Live" clId="Web-{1E27F95A-5392-483A-9D95-EDA4403CE393}"/>
     <pc:docChg chg="modSld">
       <pc:chgData name="Malena Held" userId="79e6395605f2fdc5" providerId="Windows Live" clId="Web-{1E27F95A-5392-483A-9D95-EDA4403CE393}" dt="2024-03-23T15:28:27.676" v="115"/>
@@ -1232,70 +1303,6 @@
             <pc:docMk/>
             <pc:sldMk cId="2016420073" sldId="260"/>
             <ac:picMk id="6" creationId="{6873F3C3-A42F-386D-1AE8-F1A0073B36A0}"/>
-          </ac:picMkLst>
-        </pc:picChg>
-      </pc:sldChg>
-    </pc:docChg>
-  </pc:docChgLst>
-  <pc:docChgLst>
-    <pc:chgData name="Malena Held" userId="79e6395605f2fdc5" providerId="Windows Live" clId="Web-{712D3049-D72A-4370-BFDD-5B23434C79DF}"/>
-    <pc:docChg chg="modSld">
-      <pc:chgData name="Malena Held" userId="79e6395605f2fdc5" providerId="Windows Live" clId="Web-{712D3049-D72A-4370-BFDD-5B23434C79DF}" dt="2024-03-23T15:18:29.397" v="102"/>
-      <pc:docMkLst>
-        <pc:docMk/>
-      </pc:docMkLst>
-      <pc:sldChg chg="addSp delSp modSp">
-        <pc:chgData name="Malena Held" userId="79e6395605f2fdc5" providerId="Windows Live" clId="Web-{712D3049-D72A-4370-BFDD-5B23434C79DF}" dt="2024-03-23T15:18:29.397" v="102"/>
-        <pc:sldMkLst>
-          <pc:docMk/>
-          <pc:sldMk cId="3143795157" sldId="258"/>
-        </pc:sldMkLst>
-        <pc:spChg chg="mod">
-          <ac:chgData name="Malena Held" userId="79e6395605f2fdc5" providerId="Windows Live" clId="Web-{712D3049-D72A-4370-BFDD-5B23434C79DF}" dt="2024-03-23T15:11:41.701" v="77" actId="20577"/>
-          <ac:spMkLst>
-            <pc:docMk/>
-            <pc:sldMk cId="3143795157" sldId="258"/>
-            <ac:spMk id="10" creationId="{8BD174E4-1399-F181-241D-BACA8A1C7EDD}"/>
-          </ac:spMkLst>
-        </pc:spChg>
-        <pc:picChg chg="add mod">
-          <ac:chgData name="Malena Held" userId="79e6395605f2fdc5" providerId="Windows Live" clId="Web-{712D3049-D72A-4370-BFDD-5B23434C79DF}" dt="2024-03-23T15:12:13.359" v="83"/>
-          <ac:picMkLst>
-            <pc:docMk/>
-            <pc:sldMk cId="3143795157" sldId="258"/>
-            <ac:picMk id="3" creationId="{A314C6A4-32DA-E021-6F1B-E3B850640800}"/>
-          </ac:picMkLst>
-        </pc:picChg>
-        <pc:picChg chg="add del mod">
-          <ac:chgData name="Malena Held" userId="79e6395605f2fdc5" providerId="Windows Live" clId="Web-{712D3049-D72A-4370-BFDD-5B23434C79DF}" dt="2024-03-23T15:13:59.131" v="89"/>
-          <ac:picMkLst>
-            <pc:docMk/>
-            <pc:sldMk cId="3143795157" sldId="258"/>
-            <ac:picMk id="5" creationId="{F7AC55DB-EDB2-DA21-82C3-16C63652C525}"/>
-          </ac:picMkLst>
-        </pc:picChg>
-        <pc:picChg chg="add del mod modCrop">
-          <ac:chgData name="Malena Held" userId="79e6395605f2fdc5" providerId="Windows Live" clId="Web-{712D3049-D72A-4370-BFDD-5B23434C79DF}" dt="2024-03-23T15:17:02.673" v="96"/>
-          <ac:picMkLst>
-            <pc:docMk/>
-            <pc:sldMk cId="3143795157" sldId="258"/>
-            <ac:picMk id="6" creationId="{6CD1F5E5-F36A-AAA8-14A4-33836088874C}"/>
-          </ac:picMkLst>
-        </pc:picChg>
-        <pc:picChg chg="add mod">
-          <ac:chgData name="Malena Held" userId="79e6395605f2fdc5" providerId="Windows Live" clId="Web-{712D3049-D72A-4370-BFDD-5B23434C79DF}" dt="2024-03-23T15:18:29.397" v="102"/>
-          <ac:picMkLst>
-            <pc:docMk/>
-            <pc:sldMk cId="3143795157" sldId="258"/>
-            <ac:picMk id="7" creationId="{EDB2D577-BBB3-F4BE-6CD6-1E04DF877CD6}"/>
-          </ac:picMkLst>
-        </pc:picChg>
-        <pc:picChg chg="add del mod">
-          <ac:chgData name="Malena Held" userId="79e6395605f2fdc5" providerId="Windows Live" clId="Web-{712D3049-D72A-4370-BFDD-5B23434C79DF}" dt="2024-03-23T15:09:25.583" v="3"/>
-          <ac:picMkLst>
-            <pc:docMk/>
-            <pc:sldMk cId="3143795157" sldId="258"/>
-            <ac:picMk id="16" creationId="{1B97AC71-B738-1F7B-EF33-6F338D792156}"/>
           </ac:picMkLst>
         </pc:picChg>
       </pc:sldChg>
@@ -3981,7 +3988,7 @@
           </a:lstStyle>
           <a:p>
             <a:fld id="{FFB209CF-5F42-4233-B861-4D0F12714295}" type="slidenum">
-              <a:t>‹Nr.›</a:t>
+              <a:t>‹#›</a:t>
             </a:fld>
             <a:endParaRPr lang="de-DE"/>
           </a:p>
@@ -4135,12 +4142,12 @@
           <a:lstStyle/>
           <a:p>
             <a:r>
-              <a:rPr lang="en-US" dirty="0">
+              <a:rPr lang="en-US">
                 <a:cs typeface="Calibri"/>
               </a:rPr>
               <a:t>M</a:t>
             </a:r>
-            <a:endParaRPr lang="de-DE" dirty="0"/>
+            <a:endParaRPr lang="de-DE"/>
           </a:p>
         </p:txBody>
       </p:sp>
@@ -4224,7 +4231,7 @@
           <a:lstStyle/>
           <a:p>
             <a:r>
-              <a:rPr lang="en-US" dirty="0">
+              <a:rPr lang="en-US">
                 <a:cs typeface="Calibri"/>
               </a:rPr>
               <a:t>S</a:t>
@@ -4312,7 +4319,7 @@
           <a:lstStyle/>
           <a:p>
             <a:r>
-              <a:rPr lang="en-US" dirty="0">
+              <a:rPr lang="en-US">
                 <a:cs typeface="Calibri"/>
               </a:rPr>
               <a:t>S</a:t>
@@ -4400,12 +4407,12 @@
           <a:lstStyle/>
           <a:p>
             <a:r>
-              <a:rPr lang="en-US" dirty="0">
+              <a:rPr lang="en-US">
                 <a:cs typeface="Calibri"/>
               </a:rPr>
               <a:t>M</a:t>
             </a:r>
-            <a:endParaRPr lang="de-DE" dirty="0"/>
+            <a:endParaRPr lang="de-DE"/>
           </a:p>
         </p:txBody>
       </p:sp>
@@ -4489,12 +4496,12 @@
           <a:lstStyle/>
           <a:p>
             <a:r>
-              <a:rPr lang="en-US" dirty="0">
+              <a:rPr lang="en-US">
                 <a:cs typeface="Calibri"/>
               </a:rPr>
               <a:t>M</a:t>
             </a:r>
-            <a:endParaRPr lang="de-DE" dirty="0"/>
+            <a:endParaRPr lang="de-DE"/>
           </a:p>
         </p:txBody>
       </p:sp>
@@ -4578,12 +4585,12 @@
           <a:lstStyle/>
           <a:p>
             <a:r>
-              <a:rPr lang="en-US" dirty="0">
+              <a:rPr lang="en-US">
                 <a:cs typeface="Calibri"/>
               </a:rPr>
               <a:t>M</a:t>
             </a:r>
-            <a:endParaRPr lang="de-DE" dirty="0"/>
+            <a:endParaRPr lang="de-DE"/>
           </a:p>
         </p:txBody>
       </p:sp>
@@ -4667,12 +4674,12 @@
           <a:lstStyle/>
           <a:p>
             <a:r>
-              <a:rPr lang="en-US" dirty="0">
+              <a:rPr lang="en-US">
                 <a:cs typeface="Calibri"/>
               </a:rPr>
               <a:t>M</a:t>
             </a:r>
-            <a:endParaRPr lang="de-DE" dirty="0"/>
+            <a:endParaRPr lang="de-DE"/>
           </a:p>
         </p:txBody>
       </p:sp>
@@ -4756,12 +4763,12 @@
           <a:lstStyle/>
           <a:p>
             <a:r>
-              <a:rPr lang="en-US" dirty="0">
+              <a:rPr lang="en-US">
                 <a:cs typeface="Calibri"/>
               </a:rPr>
               <a:t>M</a:t>
             </a:r>
-            <a:endParaRPr lang="de-DE" dirty="0"/>
+            <a:endParaRPr lang="de-DE"/>
           </a:p>
         </p:txBody>
       </p:sp>
@@ -4845,7 +4852,7 @@
           <a:lstStyle/>
           <a:p>
             <a:r>
-              <a:rPr lang="en-US" dirty="0">
+              <a:rPr lang="en-US">
                 <a:cs typeface="Calibri"/>
               </a:rPr>
               <a:t>S</a:t>
@@ -4933,7 +4940,7 @@
           <a:lstStyle/>
           <a:p>
             <a:r>
-              <a:rPr lang="en-US" dirty="0">
+              <a:rPr lang="en-US">
                 <a:cs typeface="Calibri"/>
               </a:rPr>
               <a:t>S</a:t>
@@ -5021,12 +5028,12 @@
           <a:lstStyle/>
           <a:p>
             <a:r>
-              <a:rPr lang="en-US" dirty="0">
+              <a:rPr lang="en-US">
                 <a:cs typeface="Calibri"/>
               </a:rPr>
               <a:t>S</a:t>
             </a:r>
-            <a:endParaRPr lang="de-DE" dirty="0"/>
+            <a:endParaRPr lang="de-DE"/>
           </a:p>
         </p:txBody>
       </p:sp>
@@ -5195,7 +5202,7 @@
           </a:lstStyle>
           <a:p>
             <a:r>
-              <a:rPr lang="en-US" dirty="0"/>
+              <a:rPr lang="en-US"/>
               <a:t>Click to edit Master title style</a:t>
             </a:r>
           </a:p>
@@ -5266,7 +5273,7 @@
           </a:lstStyle>
           <a:p>
             <a:r>
-              <a:rPr lang="en-US" dirty="0"/>
+              <a:rPr lang="en-US"/>
               <a:t>Click to edit Master subtitle style</a:t>
             </a:r>
           </a:p>
@@ -5291,7 +5298,7 @@
               <a:rPr lang="en-US" smtClean="0"/>
               <a:t>3/24/2024</a:t>
             </a:fld>
-            <a:endParaRPr lang="en-US" dirty="0"/>
+            <a:endParaRPr lang="en-US"/>
           </a:p>
         </p:txBody>
       </p:sp>
@@ -5310,7 +5317,7 @@
           <a:bodyPr/>
           <a:lstStyle/>
           <a:p>
-            <a:endParaRPr lang="en-US" dirty="0"/>
+            <a:endParaRPr lang="en-US"/>
           </a:p>
         </p:txBody>
       </p:sp>
@@ -5331,9 +5338,9 @@
           <a:p>
             <a:fld id="{4FAB73BC-B049-4115-A692-8D63A059BFB8}" type="slidenum">
               <a:rPr lang="en-US" dirty="0"/>
-              <a:t>‹Nr.›</a:t>
+              <a:t>‹#›</a:t>
             </a:fld>
-            <a:endParaRPr lang="en-US" dirty="0"/>
+            <a:endParaRPr lang="en-US"/>
           </a:p>
         </p:txBody>
       </p:sp>
@@ -5421,7 +5428,7 @@
           <a:lstStyle/>
           <a:p>
             <a:r>
-              <a:rPr lang="en-US" dirty="0"/>
+              <a:rPr lang="en-US"/>
               <a:t>Click to edit Master title style</a:t>
             </a:r>
           </a:p>
@@ -5444,35 +5451,35 @@
           <a:p>
             <a:pPr lvl="0"/>
             <a:r>
-              <a:rPr lang="en-US" dirty="0"/>
+              <a:rPr lang="en-US"/>
               <a:t>Click to edit Master text styles</a:t>
             </a:r>
           </a:p>
           <a:p>
             <a:pPr lvl="1"/>
             <a:r>
-              <a:rPr lang="en-US" dirty="0"/>
+              <a:rPr lang="en-US"/>
               <a:t>Second level</a:t>
             </a:r>
           </a:p>
           <a:p>
             <a:pPr lvl="2"/>
             <a:r>
-              <a:rPr lang="en-US" dirty="0"/>
+              <a:rPr lang="en-US"/>
               <a:t>Third level</a:t>
             </a:r>
           </a:p>
           <a:p>
             <a:pPr lvl="3"/>
             <a:r>
-              <a:rPr lang="en-US" dirty="0"/>
+              <a:rPr lang="en-US"/>
               <a:t>Fourth level</a:t>
             </a:r>
           </a:p>
           <a:p>
             <a:pPr lvl="4"/>
             <a:r>
-              <a:rPr lang="en-US" dirty="0"/>
+              <a:rPr lang="en-US"/>
               <a:t>Fifth level</a:t>
             </a:r>
           </a:p>
@@ -5497,7 +5504,7 @@
               <a:rPr lang="en-US" smtClean="0"/>
               <a:t>3/24/2024</a:t>
             </a:fld>
-            <a:endParaRPr lang="en-US" dirty="0"/>
+            <a:endParaRPr lang="en-US"/>
           </a:p>
         </p:txBody>
       </p:sp>
@@ -5516,7 +5523,7 @@
           <a:bodyPr/>
           <a:lstStyle/>
           <a:p>
-            <a:endParaRPr lang="en-US" dirty="0"/>
+            <a:endParaRPr lang="en-US"/>
           </a:p>
         </p:txBody>
       </p:sp>
@@ -5537,9 +5544,9 @@
           <a:p>
             <a:fld id="{4FAB73BC-B049-4115-A692-8D63A059BFB8}" type="slidenum">
               <a:rPr lang="en-US" dirty="0"/>
-              <a:t>‹Nr.›</a:t>
+              <a:t>‹#›</a:t>
             </a:fld>
-            <a:endParaRPr lang="en-US" dirty="0"/>
+            <a:endParaRPr lang="en-US"/>
           </a:p>
         </p:txBody>
       </p:sp>
@@ -5670,7 +5677,7 @@
           <a:lstStyle/>
           <a:p>
             <a:r>
-              <a:rPr lang="en-US" dirty="0"/>
+              <a:rPr lang="en-US"/>
               <a:t>Click to edit Master title style</a:t>
             </a:r>
           </a:p>
@@ -5698,35 +5705,35 @@
           <a:p>
             <a:pPr lvl="0"/>
             <a:r>
-              <a:rPr lang="en-US" dirty="0"/>
+              <a:rPr lang="en-US"/>
               <a:t>Click to edit Master text styles</a:t>
             </a:r>
           </a:p>
           <a:p>
             <a:pPr lvl="1"/>
             <a:r>
-              <a:rPr lang="en-US" dirty="0"/>
+              <a:rPr lang="en-US"/>
               <a:t>Second level</a:t>
             </a:r>
           </a:p>
           <a:p>
             <a:pPr lvl="2"/>
             <a:r>
-              <a:rPr lang="en-US" dirty="0"/>
+              <a:rPr lang="en-US"/>
               <a:t>Third level</a:t>
             </a:r>
           </a:p>
           <a:p>
             <a:pPr lvl="3"/>
             <a:r>
-              <a:rPr lang="en-US" dirty="0"/>
+              <a:rPr lang="en-US"/>
               <a:t>Fourth level</a:t>
             </a:r>
           </a:p>
           <a:p>
             <a:pPr lvl="4"/>
             <a:r>
-              <a:rPr lang="en-US" dirty="0"/>
+              <a:rPr lang="en-US"/>
               <a:t>Fifth level</a:t>
             </a:r>
           </a:p>
@@ -5751,7 +5758,7 @@
               <a:rPr lang="en-US" smtClean="0"/>
               <a:t>3/24/2024</a:t>
             </a:fld>
-            <a:endParaRPr lang="en-US" dirty="0"/>
+            <a:endParaRPr lang="en-US"/>
           </a:p>
         </p:txBody>
       </p:sp>
@@ -5770,7 +5777,7 @@
           <a:bodyPr/>
           <a:lstStyle/>
           <a:p>
-            <a:endParaRPr lang="en-US" dirty="0"/>
+            <a:endParaRPr lang="en-US"/>
           </a:p>
         </p:txBody>
       </p:sp>
@@ -5791,9 +5798,9 @@
           <a:p>
             <a:fld id="{4FAB73BC-B049-4115-A692-8D63A059BFB8}" type="slidenum">
               <a:rPr lang="en-US" dirty="0"/>
-              <a:t>‹Nr.›</a:t>
+              <a:t>‹#›</a:t>
             </a:fld>
-            <a:endParaRPr lang="en-US" dirty="0"/>
+            <a:endParaRPr lang="en-US"/>
           </a:p>
         </p:txBody>
       </p:sp>
@@ -5847,7 +5854,7 @@
           </a:lstStyle>
           <a:p>
             <a:r>
-              <a:rPr lang="en-US" dirty="0"/>
+              <a:rPr lang="en-US"/>
               <a:t>Click to edit Master title style</a:t>
             </a:r>
           </a:p>
@@ -5870,35 +5877,35 @@
           <a:p>
             <a:pPr lvl="0"/>
             <a:r>
-              <a:rPr lang="en-US" dirty="0"/>
+              <a:rPr lang="en-US"/>
               <a:t>Click to edit Master text styles</a:t>
             </a:r>
           </a:p>
           <a:p>
             <a:pPr lvl="1"/>
             <a:r>
-              <a:rPr lang="en-US" dirty="0"/>
+              <a:rPr lang="en-US"/>
               <a:t>Second level</a:t>
             </a:r>
           </a:p>
           <a:p>
             <a:pPr lvl="2"/>
             <a:r>
-              <a:rPr lang="en-US" dirty="0"/>
+              <a:rPr lang="en-US"/>
               <a:t>Third level</a:t>
             </a:r>
           </a:p>
           <a:p>
             <a:pPr lvl="3"/>
             <a:r>
-              <a:rPr lang="en-US" dirty="0"/>
+              <a:rPr lang="en-US"/>
               <a:t>Fourth level</a:t>
             </a:r>
           </a:p>
           <a:p>
             <a:pPr lvl="4"/>
             <a:r>
-              <a:rPr lang="en-US" dirty="0"/>
+              <a:rPr lang="en-US"/>
               <a:t>Fifth level</a:t>
             </a:r>
           </a:p>
@@ -5923,7 +5930,7 @@
               <a:rPr lang="en-US" smtClean="0"/>
               <a:t>3/24/2024</a:t>
             </a:fld>
-            <a:endParaRPr lang="en-US" dirty="0"/>
+            <a:endParaRPr lang="en-US"/>
           </a:p>
         </p:txBody>
       </p:sp>
@@ -5942,7 +5949,7 @@
           <a:bodyPr/>
           <a:lstStyle/>
           <a:p>
-            <a:endParaRPr lang="en-US" dirty="0"/>
+            <a:endParaRPr lang="en-US"/>
           </a:p>
         </p:txBody>
       </p:sp>
@@ -5963,9 +5970,9 @@
           <a:p>
             <a:fld id="{6113E31D-E2AB-40D1-8B51-AFA5AFEF393A}" type="slidenum">
               <a:rPr lang="en-US" dirty="0"/>
-              <a:t>‹Nr.›</a:t>
+              <a:t>‹#›</a:t>
             </a:fld>
-            <a:endParaRPr lang="en-US" dirty="0"/>
+            <a:endParaRPr lang="en-US"/>
           </a:p>
         </p:txBody>
       </p:sp>
@@ -6120,7 +6127,7 @@
           </a:lstStyle>
           <a:p>
             <a:r>
-              <a:rPr lang="en-US" dirty="0"/>
+              <a:rPr lang="en-US"/>
               <a:t>Click to edit Master title style</a:t>
             </a:r>
           </a:p>
@@ -6240,7 +6247,7 @@
           <a:p>
             <a:pPr lvl="0"/>
             <a:r>
-              <a:rPr lang="en-US" dirty="0"/>
+              <a:rPr lang="en-US"/>
               <a:t>Click to edit Master text styles</a:t>
             </a:r>
           </a:p>
@@ -6265,7 +6272,7 @@
               <a:rPr lang="en-US" smtClean="0"/>
               <a:t>3/24/2024</a:t>
             </a:fld>
-            <a:endParaRPr lang="en-US" dirty="0"/>
+            <a:endParaRPr lang="en-US"/>
           </a:p>
         </p:txBody>
       </p:sp>
@@ -6284,7 +6291,7 @@
           <a:bodyPr/>
           <a:lstStyle/>
           <a:p>
-            <a:endParaRPr lang="en-US" dirty="0"/>
+            <a:endParaRPr lang="en-US"/>
           </a:p>
         </p:txBody>
       </p:sp>
@@ -6305,9 +6312,9 @@
           <a:p>
             <a:fld id="{4FAB73BC-B049-4115-A692-8D63A059BFB8}" type="slidenum">
               <a:rPr lang="en-US" dirty="0"/>
-              <a:t>‹Nr.›</a:t>
+              <a:t>‹#›</a:t>
             </a:fld>
-            <a:endParaRPr lang="en-US" dirty="0"/>
+            <a:endParaRPr lang="en-US"/>
           </a:p>
         </p:txBody>
       </p:sp>
@@ -6400,7 +6407,7 @@
           <a:lstStyle/>
           <a:p>
             <a:r>
-              <a:rPr lang="en-US" dirty="0"/>
+              <a:rPr lang="en-US"/>
               <a:t>Click to edit Master title style</a:t>
             </a:r>
           </a:p>
@@ -6428,35 +6435,35 @@
           <a:p>
             <a:pPr lvl="0"/>
             <a:r>
-              <a:rPr lang="en-US" dirty="0"/>
+              <a:rPr lang="en-US"/>
               <a:t>Click to edit Master text styles</a:t>
             </a:r>
           </a:p>
           <a:p>
             <a:pPr lvl="1"/>
             <a:r>
-              <a:rPr lang="en-US" dirty="0"/>
+              <a:rPr lang="en-US"/>
               <a:t>Second level</a:t>
             </a:r>
           </a:p>
           <a:p>
             <a:pPr lvl="2"/>
             <a:r>
-              <a:rPr lang="en-US" dirty="0"/>
+              <a:rPr lang="en-US"/>
               <a:t>Third level</a:t>
             </a:r>
           </a:p>
           <a:p>
             <a:pPr lvl="3"/>
             <a:r>
-              <a:rPr lang="en-US" dirty="0"/>
+              <a:rPr lang="en-US"/>
               <a:t>Fourth level</a:t>
             </a:r>
           </a:p>
           <a:p>
             <a:pPr lvl="4"/>
             <a:r>
-              <a:rPr lang="en-US" dirty="0"/>
+              <a:rPr lang="en-US"/>
               <a:t>Fifth level</a:t>
             </a:r>
           </a:p>
@@ -6484,35 +6491,35 @@
           <a:p>
             <a:pPr lvl="0"/>
             <a:r>
-              <a:rPr lang="en-US" dirty="0"/>
+              <a:rPr lang="en-US"/>
               <a:t>Click to edit Master text styles</a:t>
             </a:r>
           </a:p>
           <a:p>
             <a:pPr lvl="1"/>
             <a:r>
-              <a:rPr lang="en-US" dirty="0"/>
+              <a:rPr lang="en-US"/>
               <a:t>Second level</a:t>
             </a:r>
           </a:p>
           <a:p>
             <a:pPr lvl="2"/>
             <a:r>
-              <a:rPr lang="en-US" dirty="0"/>
+              <a:rPr lang="en-US"/>
               <a:t>Third level</a:t>
             </a:r>
           </a:p>
           <a:p>
             <a:pPr lvl="3"/>
             <a:r>
-              <a:rPr lang="en-US" dirty="0"/>
+              <a:rPr lang="en-US"/>
               <a:t>Fourth level</a:t>
             </a:r>
           </a:p>
           <a:p>
             <a:pPr lvl="4"/>
             <a:r>
-              <a:rPr lang="en-US" dirty="0"/>
+              <a:rPr lang="en-US"/>
               <a:t>Fifth level</a:t>
             </a:r>
           </a:p>
@@ -6537,7 +6544,7 @@
               <a:rPr lang="en-US" smtClean="0"/>
               <a:t>3/24/2024</a:t>
             </a:fld>
-            <a:endParaRPr lang="en-US" dirty="0"/>
+            <a:endParaRPr lang="en-US"/>
           </a:p>
         </p:txBody>
       </p:sp>
@@ -6556,7 +6563,7 @@
           <a:bodyPr/>
           <a:lstStyle/>
           <a:p>
-            <a:endParaRPr lang="en-US" dirty="0"/>
+            <a:endParaRPr lang="en-US"/>
           </a:p>
         </p:txBody>
       </p:sp>
@@ -6577,9 +6584,9 @@
           <a:p>
             <a:fld id="{4FAB73BC-B049-4115-A692-8D63A059BFB8}" type="slidenum">
               <a:rPr lang="en-US" dirty="0"/>
-              <a:t>‹Nr.›</a:t>
+              <a:t>‹#›</a:t>
             </a:fld>
-            <a:endParaRPr lang="en-US" dirty="0"/>
+            <a:endParaRPr lang="en-US"/>
           </a:p>
         </p:txBody>
       </p:sp>
@@ -6634,7 +6641,7 @@
           <a:lstStyle/>
           <a:p>
             <a:r>
-              <a:rPr lang="en-US" dirty="0"/>
+              <a:rPr lang="en-US"/>
               <a:t>Click to edit Master title style</a:t>
             </a:r>
           </a:p>
@@ -6705,7 +6712,7 @@
           <a:p>
             <a:pPr lvl="0"/>
             <a:r>
-              <a:rPr lang="en-US" dirty="0"/>
+              <a:rPr lang="en-US"/>
               <a:t>Click to edit Master text styles</a:t>
             </a:r>
           </a:p>
@@ -6733,35 +6740,35 @@
           <a:p>
             <a:pPr lvl="0"/>
             <a:r>
-              <a:rPr lang="en-US" dirty="0"/>
+              <a:rPr lang="en-US"/>
               <a:t>Click to edit Master text styles</a:t>
             </a:r>
           </a:p>
           <a:p>
             <a:pPr lvl="1"/>
             <a:r>
-              <a:rPr lang="en-US" dirty="0"/>
+              <a:rPr lang="en-US"/>
               <a:t>Second level</a:t>
             </a:r>
           </a:p>
           <a:p>
             <a:pPr lvl="2"/>
             <a:r>
-              <a:rPr lang="en-US" dirty="0"/>
+              <a:rPr lang="en-US"/>
               <a:t>Third level</a:t>
             </a:r>
           </a:p>
           <a:p>
             <a:pPr lvl="3"/>
             <a:r>
-              <a:rPr lang="en-US" dirty="0"/>
+              <a:rPr lang="en-US"/>
               <a:t>Fourth level</a:t>
             </a:r>
           </a:p>
           <a:p>
             <a:pPr lvl="4"/>
             <a:r>
-              <a:rPr lang="en-US" dirty="0"/>
+              <a:rPr lang="en-US"/>
               <a:t>Fifth level</a:t>
             </a:r>
           </a:p>
@@ -6832,7 +6839,7 @@
           <a:p>
             <a:pPr lvl="0"/>
             <a:r>
-              <a:rPr lang="en-US" dirty="0"/>
+              <a:rPr lang="en-US"/>
               <a:t>Click to edit Master text styles</a:t>
             </a:r>
           </a:p>
@@ -6860,35 +6867,35 @@
           <a:p>
             <a:pPr lvl="0"/>
             <a:r>
-              <a:rPr lang="en-US" dirty="0"/>
+              <a:rPr lang="en-US"/>
               <a:t>Click to edit Master text styles</a:t>
             </a:r>
           </a:p>
           <a:p>
             <a:pPr lvl="1"/>
             <a:r>
-              <a:rPr lang="en-US" dirty="0"/>
+              <a:rPr lang="en-US"/>
               <a:t>Second level</a:t>
             </a:r>
           </a:p>
           <a:p>
             <a:pPr lvl="2"/>
             <a:r>
-              <a:rPr lang="en-US" dirty="0"/>
+              <a:rPr lang="en-US"/>
               <a:t>Third level</a:t>
             </a:r>
           </a:p>
           <a:p>
             <a:pPr lvl="3"/>
             <a:r>
-              <a:rPr lang="en-US" dirty="0"/>
+              <a:rPr lang="en-US"/>
               <a:t>Fourth level</a:t>
             </a:r>
           </a:p>
           <a:p>
             <a:pPr lvl="4"/>
             <a:r>
-              <a:rPr lang="en-US" dirty="0"/>
+              <a:rPr lang="en-US"/>
               <a:t>Fifth level</a:t>
             </a:r>
           </a:p>
@@ -6913,7 +6920,7 @@
               <a:rPr lang="en-US" smtClean="0"/>
               <a:t>3/24/2024</a:t>
             </a:fld>
-            <a:endParaRPr lang="en-US" dirty="0"/>
+            <a:endParaRPr lang="en-US"/>
           </a:p>
         </p:txBody>
       </p:sp>
@@ -6932,7 +6939,7 @@
           <a:bodyPr/>
           <a:lstStyle/>
           <a:p>
-            <a:endParaRPr lang="en-US" dirty="0"/>
+            <a:endParaRPr lang="en-US"/>
           </a:p>
         </p:txBody>
       </p:sp>
@@ -6953,9 +6960,9 @@
           <a:p>
             <a:fld id="{4FAB73BC-B049-4115-A692-8D63A059BFB8}" type="slidenum">
               <a:rPr lang="en-US" dirty="0"/>
-              <a:t>‹Nr.›</a:t>
+              <a:t>‹#›</a:t>
             </a:fld>
-            <a:endParaRPr lang="en-US" dirty="0"/>
+            <a:endParaRPr lang="en-US"/>
           </a:p>
         </p:txBody>
       </p:sp>
@@ -7005,7 +7012,7 @@
           <a:lstStyle/>
           <a:p>
             <a:r>
-              <a:rPr lang="en-US" dirty="0"/>
+              <a:rPr lang="en-US"/>
               <a:t>Click to edit Master title style</a:t>
             </a:r>
           </a:p>
@@ -7030,7 +7037,7 @@
               <a:rPr lang="en-US" smtClean="0"/>
               <a:t>3/24/2024</a:t>
             </a:fld>
-            <a:endParaRPr lang="en-US" dirty="0"/>
+            <a:endParaRPr lang="en-US"/>
           </a:p>
         </p:txBody>
       </p:sp>
@@ -7049,7 +7056,7 @@
           <a:bodyPr/>
           <a:lstStyle/>
           <a:p>
-            <a:endParaRPr lang="en-US" dirty="0"/>
+            <a:endParaRPr lang="en-US"/>
           </a:p>
         </p:txBody>
       </p:sp>
@@ -7070,9 +7077,9 @@
           <a:p>
             <a:fld id="{4FAB73BC-B049-4115-A692-8D63A059BFB8}" type="slidenum">
               <a:rPr lang="en-US" dirty="0"/>
-              <a:t>‹Nr.›</a:t>
+              <a:t>‹#›</a:t>
             </a:fld>
-            <a:endParaRPr lang="en-US" dirty="0"/>
+            <a:endParaRPr lang="en-US"/>
           </a:p>
         </p:txBody>
       </p:sp>
@@ -7201,7 +7208,7 @@
               <a:rPr lang="en-US" smtClean="0"/>
               <a:t>3/24/2024</a:t>
             </a:fld>
-            <a:endParaRPr lang="en-US" dirty="0"/>
+            <a:endParaRPr lang="en-US"/>
           </a:p>
         </p:txBody>
       </p:sp>
@@ -7228,7 +7235,7 @@
             </a:lvl1pPr>
           </a:lstStyle>
           <a:p>
-            <a:endParaRPr lang="en-US" dirty="0"/>
+            <a:endParaRPr lang="en-US"/>
           </a:p>
         </p:txBody>
       </p:sp>
@@ -7250,9 +7257,9 @@
             <a:fld id="{4FAB73BC-B049-4115-A692-8D63A059BFB8}" type="slidenum">
               <a:rPr lang="en-US" dirty="0"/>
               <a:pPr/>
-              <a:t>‹Nr.›</a:t>
+              <a:t>‹#›</a:t>
             </a:fld>
-            <a:endParaRPr lang="en-US" dirty="0"/>
+            <a:endParaRPr lang="en-US"/>
           </a:p>
         </p:txBody>
       </p:sp>
@@ -7393,7 +7400,7 @@
           </a:lstStyle>
           <a:p>
             <a:r>
-              <a:rPr lang="en-US" dirty="0"/>
+              <a:rPr lang="en-US"/>
               <a:t>Click to edit Master title style</a:t>
             </a:r>
           </a:p>
@@ -7421,35 +7428,35 @@
           <a:p>
             <a:pPr lvl="0"/>
             <a:r>
-              <a:rPr lang="en-US" dirty="0"/>
+              <a:rPr lang="en-US"/>
               <a:t>Click to edit Master text styles</a:t>
             </a:r>
           </a:p>
           <a:p>
             <a:pPr lvl="1"/>
             <a:r>
-              <a:rPr lang="en-US" dirty="0"/>
+              <a:rPr lang="en-US"/>
               <a:t>Second level</a:t>
             </a:r>
           </a:p>
           <a:p>
             <a:pPr lvl="2"/>
             <a:r>
-              <a:rPr lang="en-US" dirty="0"/>
+              <a:rPr lang="en-US"/>
               <a:t>Third level</a:t>
             </a:r>
           </a:p>
           <a:p>
             <a:pPr lvl="3"/>
             <a:r>
-              <a:rPr lang="en-US" dirty="0"/>
+              <a:rPr lang="en-US"/>
               <a:t>Fourth level</a:t>
             </a:r>
           </a:p>
           <a:p>
             <a:pPr lvl="4"/>
             <a:r>
-              <a:rPr lang="en-US" dirty="0"/>
+              <a:rPr lang="en-US"/>
               <a:t>Fifth level</a:t>
             </a:r>
           </a:p>
@@ -7520,7 +7527,7 @@
           <a:p>
             <a:pPr lvl="0"/>
             <a:r>
-              <a:rPr lang="en-US" dirty="0"/>
+              <a:rPr lang="en-US"/>
               <a:t>Click to edit Master text styles</a:t>
             </a:r>
           </a:p>
@@ -7554,7 +7561,7 @@
               <a:rPr lang="en-US" smtClean="0"/>
               <a:t>3/24/2024</a:t>
             </a:fld>
-            <a:endParaRPr lang="en-US" dirty="0"/>
+            <a:endParaRPr lang="en-US"/>
           </a:p>
         </p:txBody>
       </p:sp>
@@ -7586,7 +7593,7 @@
             </a:lvl1pPr>
           </a:lstStyle>
           <a:p>
-            <a:endParaRPr lang="en-US" dirty="0"/>
+            <a:endParaRPr lang="en-US"/>
           </a:p>
         </p:txBody>
       </p:sp>
@@ -7616,9 +7623,9 @@
             <a:fld id="{4FAB73BC-B049-4115-A692-8D63A059BFB8}" type="slidenum">
               <a:rPr lang="en-US" dirty="0"/>
               <a:pPr/>
-              <a:t>‹Nr.›</a:t>
+              <a:t>‹#›</a:t>
             </a:fld>
-            <a:endParaRPr lang="en-US" dirty="0"/>
+            <a:endParaRPr lang="en-US"/>
           </a:p>
         </p:txBody>
       </p:sp>
@@ -7759,7 +7766,7 @@
           </a:lstStyle>
           <a:p>
             <a:r>
-              <a:rPr lang="en-US" dirty="0"/>
+              <a:rPr lang="en-US"/>
               <a:t>Click to edit Master title style</a:t>
             </a:r>
           </a:p>
@@ -7832,7 +7839,7 @@
             </a:lvl9pPr>
           </a:lstStyle>
           <a:p>
-            <a:endParaRPr lang="en-US" dirty="0"/>
+            <a:endParaRPr lang="en-US"/>
           </a:p>
         </p:txBody>
       </p:sp>
@@ -7907,7 +7914,7 @@
           <a:p>
             <a:pPr lvl="0"/>
             <a:r>
-              <a:rPr lang="en-US" dirty="0"/>
+              <a:rPr lang="en-US"/>
               <a:t>Click to edit Master text styles</a:t>
             </a:r>
           </a:p>
@@ -7932,7 +7939,7 @@
               <a:rPr lang="en-US" smtClean="0"/>
               <a:t>3/24/2024</a:t>
             </a:fld>
-            <a:endParaRPr lang="en-US" dirty="0"/>
+            <a:endParaRPr lang="en-US"/>
           </a:p>
         </p:txBody>
       </p:sp>
@@ -7951,7 +7958,7 @@
           <a:bodyPr/>
           <a:lstStyle/>
           <a:p>
-            <a:endParaRPr lang="en-US" dirty="0"/>
+            <a:endParaRPr lang="en-US"/>
           </a:p>
         </p:txBody>
       </p:sp>
@@ -7972,9 +7979,9 @@
           <a:p>
             <a:fld id="{4FAB73BC-B049-4115-A692-8D63A059BFB8}" type="slidenum">
               <a:rPr lang="en-US" dirty="0"/>
-              <a:t>‹Nr.›</a:t>
+              <a:t>‹#›</a:t>
             </a:fld>
-            <a:endParaRPr lang="en-US" dirty="0"/>
+            <a:endParaRPr lang="en-US"/>
           </a:p>
         </p:txBody>
       </p:sp>
@@ -8115,7 +8122,7 @@
           <a:lstStyle/>
           <a:p>
             <a:r>
-              <a:rPr lang="en-US" dirty="0"/>
+              <a:rPr lang="en-US"/>
               <a:t>Click to edit Master title style</a:t>
             </a:r>
           </a:p>
@@ -8148,35 +8155,35 @@
           <a:p>
             <a:pPr lvl="0"/>
             <a:r>
-              <a:rPr lang="en-US" dirty="0"/>
+              <a:rPr lang="en-US"/>
               <a:t>Click to edit Master text styles</a:t>
             </a:r>
           </a:p>
           <a:p>
             <a:pPr lvl="1"/>
             <a:r>
-              <a:rPr lang="en-US" dirty="0"/>
+              <a:rPr lang="en-US"/>
               <a:t>Second level</a:t>
             </a:r>
           </a:p>
           <a:p>
             <a:pPr lvl="2"/>
             <a:r>
-              <a:rPr lang="en-US" dirty="0"/>
+              <a:rPr lang="en-US"/>
               <a:t>Third level</a:t>
             </a:r>
           </a:p>
           <a:p>
             <a:pPr lvl="3"/>
             <a:r>
-              <a:rPr lang="en-US" dirty="0"/>
+              <a:rPr lang="en-US"/>
               <a:t>Fourth level</a:t>
             </a:r>
           </a:p>
           <a:p>
             <a:pPr lvl="4"/>
             <a:r>
-              <a:rPr lang="en-US" dirty="0"/>
+              <a:rPr lang="en-US"/>
               <a:t>Fifth level</a:t>
             </a:r>
           </a:p>
@@ -8217,7 +8224,7 @@
               <a:rPr lang="en-US" smtClean="0"/>
               <a:t>3/24/2024</a:t>
             </a:fld>
-            <a:endParaRPr lang="en-US" dirty="0"/>
+            <a:endParaRPr lang="en-US"/>
           </a:p>
         </p:txBody>
       </p:sp>
@@ -8252,7 +8259,7 @@
             </a:lvl1pPr>
           </a:lstStyle>
           <a:p>
-            <a:endParaRPr lang="en-US" dirty="0"/>
+            <a:endParaRPr lang="en-US"/>
           </a:p>
         </p:txBody>
       </p:sp>
@@ -8290,9 +8297,9 @@
             <a:fld id="{4FAB73BC-B049-4115-A692-8D63A059BFB8}" type="slidenum">
               <a:rPr lang="en-US" dirty="0"/>
               <a:pPr/>
-              <a:t>‹Nr.›</a:t>
+              <a:t>‹#›</a:t>
             </a:fld>
-            <a:endParaRPr lang="en-US" dirty="0"/>
+            <a:endParaRPr lang="en-US"/>
           </a:p>
         </p:txBody>
       </p:sp>
@@ -8764,7 +8771,7 @@
               <a:t>Cellular</a:t>
             </a:r>
             <a:r>
-              <a:rPr lang="de-DE" sz="6000" dirty="0">
+              <a:rPr lang="de-DE" sz="6000">
                 <a:ea typeface="+mj-lt"/>
                 <a:cs typeface="+mj-lt"/>
               </a:rPr>
@@ -8778,7 +8785,7 @@
               <a:t>automata</a:t>
             </a:r>
             <a:r>
-              <a:rPr lang="de-DE" sz="6000" dirty="0">
+              <a:rPr lang="de-DE" sz="6000">
                 <a:ea typeface="+mj-lt"/>
                 <a:cs typeface="+mj-lt"/>
               </a:rPr>
@@ -8792,7 +8799,7 @@
               <a:t>for</a:t>
             </a:r>
             <a:r>
-              <a:rPr lang="de-DE" sz="6000" dirty="0">
+              <a:rPr lang="de-DE" sz="6000">
                 <a:ea typeface="+mj-lt"/>
                 <a:cs typeface="+mj-lt"/>
               </a:rPr>
@@ -8805,7 +8812,7 @@
               </a:rPr>
               <a:t>sandpiles</a:t>
             </a:r>
-            <a:endParaRPr lang="de-DE" sz="7200" dirty="0" err="1">
+            <a:endParaRPr lang="de-DE" sz="7200" err="1">
               <a:cs typeface="Calibri Light" panose="020F0302020204030204"/>
             </a:endParaRPr>
           </a:p>
@@ -8833,7 +8840,7 @@
           </a:bodyPr>
           <a:lstStyle/>
           <a:p>
-            <a:endParaRPr lang="de-DE" dirty="0">
+            <a:endParaRPr lang="de-DE">
               <a:ea typeface="+mj-lt"/>
               <a:cs typeface="Calibri Light"/>
             </a:endParaRPr>
@@ -9037,13 +9044,13 @@
           <a:lstStyle/>
           <a:p>
             <a:r>
-              <a:rPr lang="de-DE" dirty="0" err="1">
+              <a:rPr lang="de-DE" err="1">
                 <a:ea typeface="Calibri Light"/>
                 <a:cs typeface="Calibri Light"/>
               </a:rPr>
               <a:t>Distributions</a:t>
             </a:r>
-            <a:endParaRPr lang="de-DE" dirty="0"/>
+            <a:endParaRPr lang="de-DE"/>
           </a:p>
         </p:txBody>
       </p:sp>
@@ -9068,7 +9075,7 @@
           <a:bodyPr/>
           <a:lstStyle/>
           <a:p>
-            <a:endParaRPr lang="de-DE" dirty="0"/>
+            <a:endParaRPr lang="de-DE"/>
           </a:p>
           <a:p>
             <a:pPr>
@@ -9076,23 +9083,23 @@
               <a:buChar char="•"/>
             </a:pPr>
             <a:r>
-              <a:rPr lang="de-DE" dirty="0"/>
+              <a:rPr lang="de-DE"/>
               <a:t> </a:t>
             </a:r>
             <a:r>
-              <a:rPr lang="de-DE" dirty="0" err="1"/>
+              <a:rPr lang="de-DE" err="1"/>
               <a:t>Scaling</a:t>
             </a:r>
             <a:r>
-              <a:rPr lang="de-DE" dirty="0"/>
+              <a:rPr lang="de-DE"/>
               <a:t> </a:t>
             </a:r>
             <a:r>
-              <a:rPr lang="de-DE" dirty="0" err="1"/>
+              <a:rPr lang="de-DE" err="1"/>
               <a:t>relations</a:t>
             </a:r>
             <a:r>
-              <a:rPr lang="de-DE" dirty="0"/>
+              <a:rPr lang="de-DE"/>
               <a:t>:</a:t>
             </a:r>
           </a:p>
@@ -9101,13 +9108,13 @@
               <a:buFont typeface="Arial" panose="020B0604020202020204" pitchFamily="34" charset="0"/>
               <a:buChar char="•"/>
             </a:pPr>
-            <a:endParaRPr lang="de-DE" dirty="0"/>
+            <a:endParaRPr lang="de-DE"/>
           </a:p>
           <a:p>
             <a:pPr marL="0" indent="0">
               <a:buNone/>
             </a:pPr>
-            <a:endParaRPr lang="de-DE" dirty="0"/>
+            <a:endParaRPr lang="de-DE"/>
           </a:p>
           <a:p>
             <a:pPr>
@@ -9115,31 +9122,31 @@
               <a:buChar char="•"/>
             </a:pPr>
             <a:r>
-              <a:rPr lang="de-DE" dirty="0"/>
+              <a:rPr lang="de-DE"/>
               <a:t> </a:t>
             </a:r>
             <a:r>
-              <a:rPr lang="de-DE" dirty="0" err="1"/>
+              <a:rPr lang="de-DE" err="1"/>
               <a:t>Conditional</a:t>
             </a:r>
             <a:r>
-              <a:rPr lang="de-DE" dirty="0"/>
+              <a:rPr lang="de-DE"/>
               <a:t> </a:t>
             </a:r>
             <a:r>
-              <a:rPr lang="de-DE" dirty="0" err="1"/>
+              <a:rPr lang="de-DE" err="1"/>
               <a:t>expectation</a:t>
             </a:r>
             <a:r>
-              <a:rPr lang="de-DE" dirty="0"/>
+              <a:rPr lang="de-DE"/>
               <a:t> </a:t>
             </a:r>
             <a:r>
-              <a:rPr lang="de-DE" dirty="0" err="1"/>
+              <a:rPr lang="de-DE" err="1"/>
               <a:t>values</a:t>
             </a:r>
             <a:r>
-              <a:rPr lang="de-DE" dirty="0"/>
+              <a:rPr lang="de-DE"/>
               <a:t>:</a:t>
             </a:r>
           </a:p>
@@ -9148,21 +9155,21 @@
               <a:buFont typeface="Arial" panose="020B0604020202020204" pitchFamily="34" charset="0"/>
               <a:buChar char="•"/>
             </a:pPr>
-            <a:endParaRPr lang="de-DE" dirty="0"/>
+            <a:endParaRPr lang="de-DE"/>
           </a:p>
           <a:p>
             <a:pPr>
               <a:buFont typeface="Arial" panose="020B0604020202020204" pitchFamily="34" charset="0"/>
               <a:buChar char="•"/>
             </a:pPr>
-            <a:endParaRPr lang="de-DE" dirty="0"/>
+            <a:endParaRPr lang="de-DE"/>
           </a:p>
           <a:p>
             <a:pPr>
               <a:buFont typeface="Arial" panose="020B0604020202020204" pitchFamily="34" charset="0"/>
               <a:buChar char="•"/>
             </a:pPr>
-            <a:endParaRPr lang="de-DE" dirty="0"/>
+            <a:endParaRPr lang="de-DE"/>
           </a:p>
           <a:p>
             <a:pPr>
@@ -9170,7 +9177,7 @@
               <a:buChar char="•"/>
             </a:pPr>
             <a:r>
-              <a:rPr lang="de-DE" dirty="0"/>
+              <a:rPr lang="de-DE"/>
               <a:t> Also: </a:t>
             </a:r>
           </a:p>
@@ -9484,7 +9491,7 @@
               <a:rPr lang="en-US" smtClean="0"/>
               <a:t>10</a:t>
             </a:fld>
-            <a:endParaRPr lang="en-US" dirty="0"/>
+            <a:endParaRPr lang="en-US"/>
           </a:p>
         </p:txBody>
       </p:sp>
@@ -9570,13 +9577,13 @@
           <a:lstStyle/>
           <a:p>
             <a:r>
-              <a:rPr lang="de-DE" dirty="0" err="1">
+              <a:rPr lang="de-DE" err="1">
                 <a:ea typeface="Calibri Light"/>
                 <a:cs typeface="Calibri Light"/>
               </a:rPr>
               <a:t>Algorithm</a:t>
             </a:r>
-            <a:endParaRPr lang="de-DE" dirty="0" err="1"/>
+            <a:endParaRPr lang="de-DE" err="1"/>
           </a:p>
         </p:txBody>
       </p:sp>
@@ -9775,7 +9782,7 @@
               <a:rPr lang="en-US" smtClean="0"/>
               <a:t>11</a:t>
             </a:fld>
-            <a:endParaRPr lang="en-US" dirty="0"/>
+            <a:endParaRPr lang="en-US"/>
           </a:p>
         </p:txBody>
       </p:sp>
@@ -9831,18 +9838,18 @@
           <a:lstStyle/>
           <a:p>
             <a:r>
-              <a:rPr lang="de-DE" dirty="0">
+              <a:rPr lang="de-DE">
                 <a:cs typeface="Calibri Light"/>
               </a:rPr>
               <a:t>Steady </a:t>
             </a:r>
             <a:r>
-              <a:rPr lang="de-DE" dirty="0" err="1">
+              <a:rPr lang="de-DE" err="1">
                 <a:cs typeface="Calibri Light"/>
               </a:rPr>
               <a:t>state</a:t>
             </a:r>
-            <a:endParaRPr lang="de-DE" dirty="0" err="1"/>
+            <a:endParaRPr lang="de-DE" err="1"/>
           </a:p>
         </p:txBody>
       </p:sp>
@@ -9870,18 +9877,18 @@
           <a:lstStyle/>
           <a:p>
             <a:r>
-              <a:rPr lang="de-DE" dirty="0">
+              <a:rPr lang="de-DE">
                 <a:cs typeface="Calibri"/>
               </a:rPr>
               <a:t>Erklären + </a:t>
             </a:r>
             <a:r>
-              <a:rPr lang="de-DE" dirty="0" err="1">
+              <a:rPr lang="de-DE" err="1">
                 <a:cs typeface="Calibri"/>
               </a:rPr>
               <a:t>animation</a:t>
             </a:r>
-            <a:endParaRPr lang="de-DE" dirty="0" err="1"/>
+            <a:endParaRPr lang="de-DE" err="1"/>
           </a:p>
         </p:txBody>
       </p:sp>
@@ -10055,7 +10062,7 @@
               <a:rPr lang="en-US" smtClean="0"/>
               <a:t>12</a:t>
             </a:fld>
-            <a:endParaRPr lang="en-US" dirty="0"/>
+            <a:endParaRPr lang="en-US"/>
           </a:p>
         </p:txBody>
       </p:sp>
@@ -10111,18 +10118,18 @@
           <a:lstStyle/>
           <a:p>
             <a:r>
-              <a:rPr lang="de-DE" dirty="0">
+              <a:rPr lang="de-DE">
                 <a:cs typeface="Calibri Light"/>
               </a:rPr>
               <a:t>Parameter </a:t>
             </a:r>
             <a:r>
-              <a:rPr lang="de-DE" dirty="0" err="1">
+              <a:rPr lang="de-DE" err="1">
                 <a:cs typeface="Calibri Light"/>
               </a:rPr>
               <a:t>selection</a:t>
             </a:r>
-            <a:endParaRPr lang="de-DE" dirty="0" err="1"/>
+            <a:endParaRPr lang="de-DE" err="1"/>
           </a:p>
         </p:txBody>
       </p:sp>
@@ -10321,7 +10328,7 @@
               <a:rPr lang="en-US" smtClean="0"/>
               <a:t>13</a:t>
             </a:fld>
-            <a:endParaRPr lang="en-US" dirty="0"/>
+            <a:endParaRPr lang="en-US"/>
           </a:p>
         </p:txBody>
       </p:sp>
@@ -10377,12 +10384,12 @@
           <a:lstStyle/>
           <a:p>
             <a:r>
-              <a:rPr lang="de-DE" dirty="0" err="1">
+              <a:rPr lang="de-DE" err="1">
                 <a:cs typeface="Calibri Light"/>
               </a:rPr>
               <a:t>Simulations</a:t>
             </a:r>
-            <a:endParaRPr lang="de-DE" dirty="0" err="1"/>
+            <a:endParaRPr lang="de-DE" err="1"/>
           </a:p>
         </p:txBody>
       </p:sp>
@@ -10410,25 +10417,25 @@
           <a:lstStyle/>
           <a:p>
             <a:r>
-              <a:rPr lang="de-DE" dirty="0" err="1">
+              <a:rPr lang="de-DE" err="1">
                 <a:cs typeface="Calibri"/>
               </a:rPr>
               <a:t>Which</a:t>
             </a:r>
             <a:r>
-              <a:rPr lang="de-DE" dirty="0">
+              <a:rPr lang="de-DE">
                 <a:cs typeface="Calibri"/>
               </a:rPr>
               <a:t> </a:t>
             </a:r>
             <a:r>
-              <a:rPr lang="de-DE" dirty="0" err="1">
+              <a:rPr lang="de-DE" err="1">
                 <a:cs typeface="Calibri"/>
               </a:rPr>
               <a:t>simulations</a:t>
             </a:r>
             <a:r>
-              <a:rPr lang="de-DE" dirty="0">
+              <a:rPr lang="de-DE">
                 <a:cs typeface="Calibri"/>
               </a:rPr>
               <a:t>?</a:t>
@@ -10436,37 +10443,37 @@
           </a:p>
           <a:p>
             <a:r>
-              <a:rPr lang="de-DE" dirty="0" err="1">
+              <a:rPr lang="de-DE" err="1">
                 <a:cs typeface="Calibri"/>
               </a:rPr>
               <a:t>Why</a:t>
             </a:r>
             <a:r>
-              <a:rPr lang="de-DE" dirty="0">
+              <a:rPr lang="de-DE">
                 <a:cs typeface="Calibri"/>
               </a:rPr>
               <a:t> </a:t>
             </a:r>
             <a:r>
-              <a:rPr lang="de-DE" dirty="0" err="1">
+              <a:rPr lang="de-DE" err="1">
                 <a:cs typeface="Calibri"/>
               </a:rPr>
               <a:t>more</a:t>
             </a:r>
             <a:r>
-              <a:rPr lang="de-DE" dirty="0">
+              <a:rPr lang="de-DE">
                 <a:cs typeface="Calibri"/>
               </a:rPr>
               <a:t> </a:t>
             </a:r>
             <a:r>
-              <a:rPr lang="de-DE" dirty="0" err="1">
+              <a:rPr lang="de-DE" err="1">
                 <a:cs typeface="Calibri"/>
               </a:rPr>
               <a:t>for</a:t>
             </a:r>
             <a:r>
-              <a:rPr lang="de-DE" dirty="0">
+              <a:rPr lang="de-DE">
                 <a:cs typeface="Calibri"/>
               </a:rPr>
               <a:t> 2d?</a:t>
@@ -10474,25 +10481,25 @@
           </a:p>
           <a:p>
             <a:r>
-              <a:rPr lang="de-DE" dirty="0" err="1">
+              <a:rPr lang="de-DE" err="1">
                 <a:cs typeface="Calibri"/>
               </a:rPr>
               <a:t>What</a:t>
             </a:r>
             <a:r>
-              <a:rPr lang="de-DE" dirty="0">
+              <a:rPr lang="de-DE">
                 <a:cs typeface="Calibri"/>
               </a:rPr>
               <a:t> </a:t>
             </a:r>
             <a:r>
-              <a:rPr lang="de-DE" dirty="0" err="1">
+              <a:rPr lang="de-DE" err="1">
                 <a:cs typeface="Calibri"/>
               </a:rPr>
               <a:t>parameters</a:t>
             </a:r>
             <a:r>
-              <a:rPr lang="de-DE" dirty="0">
+              <a:rPr lang="de-DE">
                 <a:cs typeface="Calibri"/>
               </a:rPr>
               <a:t>?</a:t>
@@ -10670,7 +10677,7 @@
               <a:rPr lang="en-US" smtClean="0"/>
               <a:t>14</a:t>
             </a:fld>
-            <a:endParaRPr lang="en-US" dirty="0"/>
+            <a:endParaRPr lang="en-US"/>
           </a:p>
         </p:txBody>
       </p:sp>
@@ -10726,12 +10733,12 @@
           <a:lstStyle/>
           <a:p>
             <a:r>
-              <a:rPr lang="de-DE" dirty="0" err="1">
+              <a:rPr lang="de-DE" err="1">
                 <a:cs typeface="Calibri Light"/>
               </a:rPr>
               <a:t>Results</a:t>
             </a:r>
-            <a:endParaRPr lang="de-DE" dirty="0" err="1"/>
+            <a:endParaRPr lang="de-DE" err="1"/>
           </a:p>
         </p:txBody>
       </p:sp>
@@ -10759,49 +10766,49 @@
           <a:lstStyle/>
           <a:p>
             <a:r>
-              <a:rPr lang="de-DE" dirty="0" err="1">
+              <a:rPr lang="de-DE" err="1">
                 <a:cs typeface="Calibri"/>
               </a:rPr>
               <a:t>Which</a:t>
             </a:r>
             <a:r>
-              <a:rPr lang="de-DE" dirty="0">
+              <a:rPr lang="de-DE">
                 <a:cs typeface="Calibri"/>
               </a:rPr>
               <a:t> </a:t>
             </a:r>
             <a:r>
-              <a:rPr lang="de-DE" dirty="0" err="1">
+              <a:rPr lang="de-DE" err="1">
                 <a:cs typeface="Calibri"/>
               </a:rPr>
               <a:t>parameters</a:t>
             </a:r>
             <a:r>
-              <a:rPr lang="de-DE" dirty="0">
+              <a:rPr lang="de-DE">
                 <a:cs typeface="Calibri"/>
               </a:rPr>
               <a:t> do </a:t>
             </a:r>
             <a:r>
-              <a:rPr lang="de-DE" dirty="0" err="1">
+              <a:rPr lang="de-DE" err="1">
                 <a:cs typeface="Calibri"/>
               </a:rPr>
               <a:t>we</a:t>
             </a:r>
             <a:r>
-              <a:rPr lang="de-DE" dirty="0">
+              <a:rPr lang="de-DE">
                 <a:cs typeface="Calibri"/>
               </a:rPr>
               <a:t> </a:t>
             </a:r>
             <a:r>
-              <a:rPr lang="de-DE" dirty="0" err="1">
+              <a:rPr lang="de-DE" err="1">
                 <a:cs typeface="Calibri"/>
               </a:rPr>
               <a:t>determine</a:t>
             </a:r>
             <a:r>
-              <a:rPr lang="de-DE" dirty="0">
+              <a:rPr lang="de-DE">
                 <a:cs typeface="Calibri"/>
               </a:rPr>
               <a:t>?</a:t>
@@ -10809,13 +10816,13 @@
           </a:p>
           <a:p>
             <a:r>
-              <a:rPr lang="de-DE" dirty="0">
+              <a:rPr lang="de-DE">
                 <a:cs typeface="Calibri"/>
               </a:rPr>
               <a:t>Reziproke </a:t>
             </a:r>
             <a:r>
-              <a:rPr lang="de-DE" dirty="0" err="1">
+              <a:rPr lang="de-DE" err="1">
                 <a:cs typeface="Calibri"/>
               </a:rPr>
               <a:t>parameter</a:t>
@@ -10993,7 +11000,7 @@
               <a:rPr lang="en-US" smtClean="0"/>
               <a:t>15</a:t>
             </a:fld>
-            <a:endParaRPr lang="en-US" dirty="0"/>
+            <a:endParaRPr lang="en-US"/>
           </a:p>
         </p:txBody>
       </p:sp>
@@ -11049,24 +11056,24 @@
           <a:lstStyle/>
           <a:p>
             <a:r>
-              <a:rPr lang="de-DE" dirty="0" err="1">
+              <a:rPr lang="de-DE" err="1">
                 <a:cs typeface="Calibri Light"/>
               </a:rPr>
               <a:t>Systematical</a:t>
             </a:r>
             <a:r>
-              <a:rPr lang="de-DE" dirty="0">
+              <a:rPr lang="de-DE">
                 <a:cs typeface="Calibri Light"/>
               </a:rPr>
               <a:t> </a:t>
             </a:r>
             <a:r>
-              <a:rPr lang="de-DE" dirty="0" err="1">
+              <a:rPr lang="de-DE" err="1">
                 <a:cs typeface="Calibri Light"/>
               </a:rPr>
               <a:t>uncertainties</a:t>
             </a:r>
-            <a:endParaRPr lang="de-DE" dirty="0" err="1"/>
+            <a:endParaRPr lang="de-DE" err="1"/>
           </a:p>
         </p:txBody>
       </p:sp>
@@ -11094,37 +11101,37 @@
           <a:lstStyle/>
           <a:p>
             <a:r>
-              <a:rPr lang="de-DE" dirty="0" err="1">
+              <a:rPr lang="de-DE" err="1">
                 <a:cs typeface="Calibri"/>
               </a:rPr>
               <a:t>Which</a:t>
             </a:r>
             <a:r>
-              <a:rPr lang="de-DE" dirty="0">
+              <a:rPr lang="de-DE">
                 <a:cs typeface="Calibri"/>
               </a:rPr>
               <a:t> </a:t>
             </a:r>
             <a:r>
-              <a:rPr lang="de-DE" dirty="0" err="1">
+              <a:rPr lang="de-DE" err="1">
                 <a:cs typeface="Calibri"/>
               </a:rPr>
               <a:t>are</a:t>
             </a:r>
             <a:r>
-              <a:rPr lang="de-DE" dirty="0">
+              <a:rPr lang="de-DE">
                 <a:cs typeface="Calibri"/>
               </a:rPr>
               <a:t> </a:t>
             </a:r>
             <a:r>
-              <a:rPr lang="de-DE" dirty="0" err="1">
+              <a:rPr lang="de-DE" err="1">
                 <a:cs typeface="Calibri"/>
               </a:rPr>
               <a:t>there</a:t>
             </a:r>
             <a:r>
-              <a:rPr lang="de-DE" dirty="0">
+              <a:rPr lang="de-DE">
                 <a:cs typeface="Calibri"/>
               </a:rPr>
               <a:t>?</a:t>
@@ -11132,31 +11139,31 @@
           </a:p>
           <a:p>
             <a:r>
-              <a:rPr lang="de-DE" dirty="0" err="1">
+              <a:rPr lang="de-DE" err="1">
                 <a:cs typeface="Calibri"/>
               </a:rPr>
               <a:t>Full</a:t>
             </a:r>
             <a:r>
-              <a:rPr lang="de-DE" dirty="0">
+              <a:rPr lang="de-DE">
                 <a:cs typeface="Calibri"/>
               </a:rPr>
               <a:t> </a:t>
             </a:r>
             <a:r>
-              <a:rPr lang="de-DE" dirty="0" err="1">
+              <a:rPr lang="de-DE" err="1">
                 <a:cs typeface="Calibri"/>
               </a:rPr>
               <a:t>range</a:t>
             </a:r>
             <a:r>
-              <a:rPr lang="de-DE" dirty="0">
+              <a:rPr lang="de-DE">
                 <a:cs typeface="Calibri"/>
               </a:rPr>
               <a:t> </a:t>
             </a:r>
             <a:r>
-              <a:rPr lang="de-DE" dirty="0" err="1">
+              <a:rPr lang="de-DE" err="1">
                 <a:cs typeface="Calibri"/>
               </a:rPr>
               <a:t>plot</a:t>
@@ -11334,7 +11341,7 @@
               <a:rPr lang="en-US" smtClean="0"/>
               <a:t>16</a:t>
             </a:fld>
-            <a:endParaRPr lang="en-US" dirty="0"/>
+            <a:endParaRPr lang="en-US"/>
           </a:p>
         </p:txBody>
       </p:sp>
@@ -11390,12 +11397,12 @@
           <a:lstStyle/>
           <a:p>
             <a:r>
-              <a:rPr lang="de-DE" dirty="0" err="1">
+              <a:rPr lang="de-DE" err="1">
                 <a:cs typeface="Calibri Light"/>
               </a:rPr>
               <a:t>Results</a:t>
             </a:r>
-            <a:endParaRPr lang="de-DE" dirty="0" err="1"/>
+            <a:endParaRPr lang="de-DE" err="1"/>
           </a:p>
         </p:txBody>
       </p:sp>
@@ -11425,7 +11432,7 @@
           <a:bodyPr/>
           <a:lstStyle/>
           <a:p>
-            <a:endParaRPr lang="de-DE" dirty="0">
+            <a:endParaRPr lang="de-DE">
               <a:cs typeface="Calibri"/>
             </a:endParaRPr>
           </a:p>
@@ -11435,54 +11442,54 @@
               <a:buChar char="•"/>
             </a:pPr>
             <a:r>
-              <a:rPr lang="de-DE" dirty="0">
+              <a:rPr lang="de-DE">
                 <a:cs typeface="Calibri"/>
               </a:rPr>
               <a:t> </a:t>
             </a:r>
             <a:r>
-              <a:rPr lang="de-DE" dirty="0" err="1">
+              <a:rPr lang="de-DE" err="1">
                 <a:cs typeface="Calibri"/>
               </a:rPr>
               <a:t>Coefficients</a:t>
             </a:r>
             <a:r>
-              <a:rPr lang="de-DE" dirty="0">
+              <a:rPr lang="de-DE">
                 <a:cs typeface="Calibri"/>
               </a:rPr>
               <a:t> </a:t>
             </a:r>
             <a:r>
-              <a:rPr lang="de-DE" dirty="0" err="1">
+              <a:rPr lang="de-DE" err="1">
                 <a:cs typeface="Calibri"/>
               </a:rPr>
               <a:t>independent</a:t>
             </a:r>
             <a:r>
-              <a:rPr lang="de-DE" dirty="0">
+              <a:rPr lang="de-DE">
                 <a:cs typeface="Calibri"/>
               </a:rPr>
               <a:t> </a:t>
             </a:r>
             <a:r>
-              <a:rPr lang="de-DE" dirty="0" err="1">
+              <a:rPr lang="de-DE" err="1">
                 <a:cs typeface="Calibri"/>
               </a:rPr>
               <a:t>of</a:t>
             </a:r>
             <a:r>
-              <a:rPr lang="de-DE" dirty="0">
+              <a:rPr lang="de-DE">
                 <a:cs typeface="Calibri"/>
               </a:rPr>
               <a:t> </a:t>
             </a:r>
             <a:r>
-              <a:rPr lang="de-DE" dirty="0" err="1">
+              <a:rPr lang="de-DE" err="1">
                 <a:cs typeface="Calibri"/>
               </a:rPr>
               <a:t>scale</a:t>
             </a:r>
-            <a:endParaRPr lang="de-DE" dirty="0">
+            <a:endParaRPr lang="de-DE">
               <a:cs typeface="Calibri"/>
             </a:endParaRPr>
           </a:p>
@@ -11492,42 +11499,42 @@
               <a:buChar char="•"/>
             </a:pPr>
             <a:r>
-              <a:rPr lang="de-DE" dirty="0">
+              <a:rPr lang="de-DE">
                 <a:cs typeface="Calibri"/>
               </a:rPr>
               <a:t> </a:t>
             </a:r>
             <a:r>
-              <a:rPr lang="de-DE" dirty="0" err="1">
+              <a:rPr lang="de-DE" err="1">
                 <a:cs typeface="Calibri"/>
               </a:rPr>
               <a:t>Coefficients</a:t>
             </a:r>
             <a:r>
-              <a:rPr lang="de-DE" dirty="0">
+              <a:rPr lang="de-DE">
                 <a:cs typeface="Calibri"/>
               </a:rPr>
               <a:t> </a:t>
             </a:r>
             <a:r>
-              <a:rPr lang="de-DE" dirty="0" err="1">
+              <a:rPr lang="de-DE" err="1">
                 <a:cs typeface="Calibri"/>
               </a:rPr>
               <a:t>dependent</a:t>
             </a:r>
             <a:r>
-              <a:rPr lang="de-DE" dirty="0">
+              <a:rPr lang="de-DE">
                 <a:cs typeface="Calibri"/>
               </a:rPr>
               <a:t> on </a:t>
             </a:r>
             <a:r>
-              <a:rPr lang="de-DE" dirty="0" err="1">
+              <a:rPr lang="de-DE" err="1">
                 <a:cs typeface="Calibri"/>
               </a:rPr>
               <a:t>dimensions</a:t>
             </a:r>
-            <a:endParaRPr lang="en-GB" dirty="0"/>
+            <a:endParaRPr lang="en-GB"/>
           </a:p>
           <a:p>
             <a:pPr>
@@ -11535,42 +11542,42 @@
               <a:buChar char="•"/>
             </a:pPr>
             <a:r>
-              <a:rPr lang="de-DE" dirty="0">
+              <a:rPr lang="de-DE">
                 <a:cs typeface="Calibri"/>
               </a:rPr>
               <a:t> </a:t>
             </a:r>
             <a:r>
-              <a:rPr lang="de-DE" dirty="0" err="1">
+              <a:rPr lang="de-DE" err="1">
                 <a:cs typeface="Calibri"/>
               </a:rPr>
               <a:t>Reciprocal</a:t>
             </a:r>
             <a:r>
-              <a:rPr lang="de-DE" dirty="0">
+              <a:rPr lang="de-DE">
                 <a:cs typeface="Calibri"/>
               </a:rPr>
               <a:t> </a:t>
             </a:r>
             <a:r>
-              <a:rPr lang="de-DE" dirty="0" err="1">
+              <a:rPr lang="de-DE" err="1">
                 <a:cs typeface="Calibri"/>
               </a:rPr>
               <a:t>relation</a:t>
             </a:r>
             <a:r>
-              <a:rPr lang="de-DE" dirty="0">
+              <a:rPr lang="de-DE">
                 <a:cs typeface="Calibri"/>
               </a:rPr>
               <a:t> </a:t>
             </a:r>
             <a:r>
-              <a:rPr lang="de-DE" dirty="0" err="1">
+              <a:rPr lang="de-DE" err="1">
                 <a:cs typeface="Calibri"/>
               </a:rPr>
               <a:t>validated</a:t>
             </a:r>
-            <a:endParaRPr lang="de-DE" dirty="0">
+            <a:endParaRPr lang="de-DE">
               <a:cs typeface="Calibri"/>
             </a:endParaRPr>
           </a:p>
@@ -11580,42 +11587,42 @@
               <a:buChar char="•"/>
             </a:pPr>
             <a:r>
-              <a:rPr lang="de-DE" dirty="0">
+              <a:rPr lang="de-DE">
                 <a:cs typeface="Calibri"/>
               </a:rPr>
               <a:t> </a:t>
             </a:r>
             <a:r>
-              <a:rPr lang="de-DE" dirty="0" err="1">
+              <a:rPr lang="de-DE" err="1">
                 <a:cs typeface="Calibri"/>
               </a:rPr>
               <a:t>Systematic</a:t>
             </a:r>
             <a:r>
-              <a:rPr lang="de-DE" dirty="0">
+              <a:rPr lang="de-DE">
                 <a:cs typeface="Calibri"/>
               </a:rPr>
               <a:t> </a:t>
             </a:r>
             <a:r>
-              <a:rPr lang="de-DE" dirty="0" err="1">
+              <a:rPr lang="de-DE" err="1">
                 <a:cs typeface="Calibri"/>
               </a:rPr>
               <a:t>deviation</a:t>
             </a:r>
             <a:r>
-              <a:rPr lang="de-DE" dirty="0">
+              <a:rPr lang="de-DE">
                 <a:cs typeface="Calibri"/>
               </a:rPr>
               <a:t> from </a:t>
             </a:r>
             <a:r>
-              <a:rPr lang="de-DE" dirty="0" err="1">
+              <a:rPr lang="de-DE" err="1">
                 <a:cs typeface="Calibri"/>
               </a:rPr>
               <a:t>literature</a:t>
             </a:r>
-            <a:endParaRPr lang="de-DE" dirty="0">
+            <a:endParaRPr lang="de-DE">
               <a:cs typeface="Calibri"/>
             </a:endParaRPr>
           </a:p>
@@ -11623,7 +11630,7 @@
             <a:pPr marL="0" indent="0">
               <a:buNone/>
             </a:pPr>
-            <a:endParaRPr lang="en-GB" dirty="0"/>
+            <a:endParaRPr lang="en-GB"/>
           </a:p>
         </p:txBody>
       </p:sp>
@@ -11652,7 +11659,7 @@
               <a:rPr lang="en-US" smtClean="0"/>
               <a:t>17</a:t>
             </a:fld>
-            <a:endParaRPr lang="en-US" dirty="0"/>
+            <a:endParaRPr lang="en-US"/>
           </a:p>
         </p:txBody>
       </p:sp>
@@ -11882,12 +11889,12 @@
           <a:lstStyle/>
           <a:p>
             <a:r>
-              <a:rPr lang="de-DE" dirty="0">
+              <a:rPr lang="de-DE">
                 <a:cs typeface="Calibri Light"/>
               </a:rPr>
               <a:t>Summary + Outlook</a:t>
             </a:r>
-            <a:endParaRPr lang="de-DE" dirty="0"/>
+            <a:endParaRPr lang="de-DE"/>
           </a:p>
         </p:txBody>
       </p:sp>
@@ -12086,7 +12093,7 @@
               <a:rPr lang="en-US" smtClean="0"/>
               <a:t>18</a:t>
             </a:fld>
-            <a:endParaRPr lang="en-US" dirty="0"/>
+            <a:endParaRPr lang="en-US"/>
           </a:p>
         </p:txBody>
       </p:sp>
@@ -12142,13 +12149,13 @@
           <a:lstStyle/>
           <a:p>
             <a:r>
-              <a:rPr lang="de-DE" dirty="0">
+              <a:rPr lang="de-DE">
                 <a:ea typeface="Calibri Light"/>
                 <a:cs typeface="Calibri Light"/>
               </a:rPr>
               <a:t>Outline</a:t>
             </a:r>
-            <a:endParaRPr lang="de-DE" dirty="0"/>
+            <a:endParaRPr lang="de-DE"/>
           </a:p>
         </p:txBody>
       </p:sp>
@@ -12347,7 +12354,7 @@
               <a:rPr lang="en-US" smtClean="0"/>
               <a:t>2</a:t>
             </a:fld>
-            <a:endParaRPr lang="en-US" dirty="0"/>
+            <a:endParaRPr lang="en-US"/>
           </a:p>
         </p:txBody>
       </p:sp>
@@ -12403,12 +12410,12 @@
           <a:lstStyle/>
           <a:p>
             <a:r>
-              <a:rPr lang="de-DE" dirty="0" err="1">
+              <a:rPr lang="de-DE" err="1">
                 <a:cs typeface="Calibri Light"/>
               </a:rPr>
               <a:t>Introduction</a:t>
             </a:r>
-            <a:endParaRPr lang="de-DE" dirty="0" err="1"/>
+            <a:endParaRPr lang="de-DE" err="1"/>
           </a:p>
         </p:txBody>
       </p:sp>
@@ -12437,7 +12444,7 @@
               <a:buFont typeface="Arial" panose="020B0604020202020204" pitchFamily="34" charset="0"/>
               <a:buChar char="•"/>
             </a:pPr>
-            <a:endParaRPr lang="de-DE" dirty="0"/>
+            <a:endParaRPr lang="de-DE"/>
           </a:p>
           <a:p>
             <a:pPr>
@@ -12445,46 +12452,46 @@
               <a:buChar char="•"/>
             </a:pPr>
             <a:r>
-              <a:rPr lang="de-DE" dirty="0"/>
+              <a:rPr lang="de-DE"/>
               <a:t> 1/f </a:t>
             </a:r>
             <a:r>
-              <a:rPr lang="de-DE" dirty="0" err="1"/>
+              <a:rPr lang="de-DE" err="1"/>
               <a:t>noise</a:t>
             </a:r>
             <a:r>
-              <a:rPr lang="de-DE" dirty="0"/>
+              <a:rPr lang="de-DE"/>
               <a:t> </a:t>
             </a:r>
             <a:r>
-              <a:rPr lang="de-DE" dirty="0" err="1"/>
+              <a:rPr lang="de-DE" err="1"/>
               <a:t>present</a:t>
             </a:r>
             <a:r>
-              <a:rPr lang="de-DE" dirty="0"/>
+              <a:rPr lang="de-DE"/>
               <a:t> in </a:t>
             </a:r>
             <a:r>
-              <a:rPr lang="de-DE" dirty="0" err="1"/>
+              <a:rPr lang="de-DE" err="1"/>
               <a:t>self-organized</a:t>
             </a:r>
             <a:r>
-              <a:rPr lang="de-DE" dirty="0"/>
+              <a:rPr lang="de-DE"/>
               <a:t> </a:t>
             </a:r>
             <a:r>
-              <a:rPr lang="de-DE" dirty="0" err="1"/>
+              <a:rPr lang="de-DE" err="1"/>
               <a:t>critical</a:t>
             </a:r>
             <a:r>
-              <a:rPr lang="de-DE" dirty="0"/>
+              <a:rPr lang="de-DE"/>
               <a:t> </a:t>
             </a:r>
             <a:r>
-              <a:rPr lang="de-DE" dirty="0" err="1"/>
+              <a:rPr lang="de-DE" err="1"/>
               <a:t>systems</a:t>
             </a:r>
-            <a:endParaRPr lang="de-DE" dirty="0"/>
+            <a:endParaRPr lang="de-DE"/>
           </a:p>
           <a:p>
             <a:pPr>
@@ -12492,62 +12499,62 @@
               <a:buChar char="•"/>
             </a:pPr>
             <a:r>
-              <a:rPr lang="de-DE" dirty="0"/>
+              <a:rPr lang="de-DE"/>
               <a:t> </a:t>
             </a:r>
             <a:r>
-              <a:rPr lang="de-DE" dirty="0" err="1"/>
+              <a:rPr lang="de-DE" err="1"/>
               <a:t>small</a:t>
             </a:r>
             <a:r>
-              <a:rPr lang="de-DE" dirty="0"/>
+              <a:rPr lang="de-DE"/>
               <a:t> </a:t>
             </a:r>
             <a:r>
-              <a:rPr lang="de-DE" dirty="0" err="1"/>
+              <a:rPr lang="de-DE" err="1"/>
               <a:t>perturbations</a:t>
             </a:r>
             <a:r>
-              <a:rPr lang="de-DE" dirty="0"/>
+              <a:rPr lang="de-DE"/>
               <a:t> </a:t>
             </a:r>
             <a:r>
-              <a:rPr lang="de-DE" dirty="0" err="1"/>
+              <a:rPr lang="de-DE" err="1"/>
               <a:t>lead</a:t>
             </a:r>
             <a:r>
-              <a:rPr lang="de-DE" dirty="0"/>
+              <a:rPr lang="de-DE"/>
               <a:t> to </a:t>
             </a:r>
             <a:r>
-              <a:rPr lang="de-DE" dirty="0" err="1"/>
+              <a:rPr lang="de-DE" err="1"/>
               <a:t>states</a:t>
             </a:r>
             <a:r>
-              <a:rPr lang="de-DE" dirty="0"/>
+              <a:rPr lang="de-DE"/>
               <a:t> </a:t>
             </a:r>
             <a:r>
-              <a:rPr lang="de-DE" dirty="0" err="1"/>
+              <a:rPr lang="de-DE" err="1"/>
               <a:t>of</a:t>
             </a:r>
             <a:r>
-              <a:rPr lang="de-DE" dirty="0"/>
+              <a:rPr lang="de-DE"/>
               <a:t> </a:t>
             </a:r>
             <a:r>
-              <a:rPr lang="de-DE" dirty="0" err="1"/>
+              <a:rPr lang="de-DE" err="1"/>
               <a:t>instability</a:t>
             </a:r>
             <a:r>
-              <a:rPr lang="de-DE" dirty="0"/>
+              <a:rPr lang="de-DE"/>
               <a:t>             </a:t>
             </a:r>
             <a:r>
-              <a:rPr lang="de-DE" dirty="0" err="1"/>
+              <a:rPr lang="de-DE" err="1"/>
               <a:t>avalanches</a:t>
             </a:r>
-            <a:endParaRPr lang="de-DE" dirty="0"/>
+            <a:endParaRPr lang="de-DE"/>
           </a:p>
           <a:p>
             <a:pPr>
@@ -12555,84 +12562,84 @@
               <a:buChar char="•"/>
             </a:pPr>
             <a:r>
-              <a:rPr lang="de-DE" dirty="0"/>
+              <a:rPr lang="de-DE"/>
               <a:t> </a:t>
             </a:r>
             <a:r>
-              <a:rPr lang="de-DE" dirty="0" err="1"/>
+              <a:rPr lang="de-DE" err="1"/>
               <a:t>properties</a:t>
             </a:r>
             <a:r>
-              <a:rPr lang="de-DE" dirty="0"/>
+              <a:rPr lang="de-DE"/>
               <a:t> </a:t>
             </a:r>
             <a:r>
-              <a:rPr lang="de-DE" dirty="0" err="1"/>
+              <a:rPr lang="de-DE" err="1"/>
               <a:t>of</a:t>
             </a:r>
             <a:r>
-              <a:rPr lang="de-DE" dirty="0"/>
+              <a:rPr lang="de-DE"/>
               <a:t> </a:t>
             </a:r>
             <a:r>
-              <a:rPr lang="de-DE" dirty="0" err="1"/>
+              <a:rPr lang="de-DE" err="1"/>
               <a:t>the</a:t>
             </a:r>
             <a:r>
-              <a:rPr lang="de-DE" dirty="0"/>
+              <a:rPr lang="de-DE"/>
               <a:t> </a:t>
             </a:r>
             <a:r>
-              <a:rPr lang="de-DE" dirty="0" err="1"/>
+              <a:rPr lang="de-DE" err="1"/>
               <a:t>systems</a:t>
             </a:r>
             <a:r>
-              <a:rPr lang="de-DE" dirty="0"/>
+              <a:rPr lang="de-DE"/>
               <a:t> </a:t>
             </a:r>
             <a:r>
-              <a:rPr lang="de-DE" dirty="0" err="1"/>
+              <a:rPr lang="de-DE" err="1"/>
               <a:t>are</a:t>
             </a:r>
             <a:r>
-              <a:rPr lang="de-DE" dirty="0"/>
+              <a:rPr lang="de-DE"/>
               <a:t> </a:t>
             </a:r>
             <a:r>
-              <a:rPr lang="de-DE" dirty="0" err="1"/>
+              <a:rPr lang="de-DE" err="1"/>
               <a:t>independent</a:t>
             </a:r>
             <a:r>
-              <a:rPr lang="de-DE" dirty="0"/>
+              <a:rPr lang="de-DE"/>
               <a:t> </a:t>
             </a:r>
             <a:r>
-              <a:rPr lang="de-DE" dirty="0" err="1"/>
+              <a:rPr lang="de-DE" err="1"/>
               <a:t>of</a:t>
             </a:r>
             <a:r>
-              <a:rPr lang="de-DE" dirty="0"/>
+              <a:rPr lang="de-DE"/>
               <a:t> initial </a:t>
             </a:r>
             <a:r>
-              <a:rPr lang="de-DE" dirty="0" err="1"/>
+              <a:rPr lang="de-DE" err="1"/>
               <a:t>configuration</a:t>
             </a:r>
-            <a:endParaRPr lang="de-DE" dirty="0"/>
+            <a:endParaRPr lang="de-DE"/>
           </a:p>
           <a:p>
             <a:pPr>
               <a:buFont typeface="Arial" panose="020B0604020202020204" pitchFamily="34" charset="0"/>
               <a:buChar char="•"/>
             </a:pPr>
-            <a:endParaRPr lang="de-DE" dirty="0"/>
+            <a:endParaRPr lang="de-DE"/>
           </a:p>
           <a:p>
             <a:pPr>
               <a:buFont typeface="Arial" panose="020B0604020202020204" pitchFamily="34" charset="0"/>
               <a:buChar char="•"/>
             </a:pPr>
-            <a:endParaRPr lang="de-DE" dirty="0"/>
+            <a:endParaRPr lang="de-DE"/>
           </a:p>
         </p:txBody>
       </p:sp>
@@ -12806,7 +12813,7 @@
               <a:rPr lang="en-US" smtClean="0"/>
               <a:t>3</a:t>
             </a:fld>
-            <a:endParaRPr lang="en-US" dirty="0"/>
+            <a:endParaRPr lang="en-US"/>
           </a:p>
         </p:txBody>
       </p:sp>
@@ -12908,27 +12915,27 @@
           <a:lstStyle/>
           <a:p>
             <a:r>
-              <a:rPr lang="de-DE" dirty="0" err="1">
+              <a:rPr lang="de-DE" err="1">
                 <a:ea typeface="Calibri Light"/>
                 <a:cs typeface="Calibri Light"/>
               </a:rPr>
               <a:t>Cellular</a:t>
             </a:r>
             <a:r>
-              <a:rPr lang="de-DE" dirty="0">
+              <a:rPr lang="de-DE">
                 <a:ea typeface="Calibri Light"/>
                 <a:cs typeface="Calibri Light"/>
               </a:rPr>
               <a:t> </a:t>
             </a:r>
             <a:r>
-              <a:rPr lang="de-DE" dirty="0" err="1">
+              <a:rPr lang="de-DE" err="1">
                 <a:ea typeface="Calibri Light"/>
                 <a:cs typeface="Calibri Light"/>
               </a:rPr>
               <a:t>automaton</a:t>
             </a:r>
-            <a:endParaRPr lang="en-US" dirty="0" err="1"/>
+            <a:endParaRPr lang="en-US" err="1"/>
           </a:p>
         </p:txBody>
       </p:sp>
@@ -13104,7 +13111,7 @@
               <a:buFont typeface="Arial" panose="020F0502020204030204" pitchFamily="34" charset="0"/>
               <a:buChar char="•"/>
             </a:pPr>
-            <a:endParaRPr lang="de-DE" dirty="0">
+            <a:endParaRPr lang="de-DE">
               <a:cs typeface="Calibri"/>
             </a:endParaRPr>
           </a:p>
@@ -13114,30 +13121,30 @@
               <a:buChar char="•"/>
             </a:pPr>
             <a:r>
-              <a:rPr lang="de-DE" dirty="0">
+              <a:rPr lang="de-DE">
                 <a:cs typeface="Calibri"/>
               </a:rPr>
               <a:t> </a:t>
             </a:r>
             <a:r>
-              <a:rPr lang="de-DE" i="1" dirty="0">
+              <a:rPr lang="de-DE" i="1">
                 <a:cs typeface="Calibri"/>
               </a:rPr>
               <a:t>d</a:t>
             </a:r>
             <a:r>
-              <a:rPr lang="de-DE" dirty="0">
+              <a:rPr lang="de-DE">
                 <a:cs typeface="Calibri"/>
               </a:rPr>
               <a:t>-dimensional </a:t>
             </a:r>
             <a:r>
-              <a:rPr lang="de-DE" dirty="0" err="1">
+              <a:rPr lang="de-DE" err="1">
                 <a:cs typeface="Calibri"/>
               </a:rPr>
               <a:t>grid</a:t>
             </a:r>
-            <a:endParaRPr lang="de-DE" dirty="0">
+            <a:endParaRPr lang="de-DE">
               <a:cs typeface="Calibri"/>
             </a:endParaRPr>
           </a:p>
@@ -13147,37 +13154,37 @@
               <a:buChar char="•"/>
             </a:pPr>
             <a:r>
-              <a:rPr lang="de-DE" dirty="0">
+              <a:rPr lang="de-DE">
                 <a:cs typeface="Calibri"/>
               </a:rPr>
               <a:t> </a:t>
             </a:r>
             <a:r>
-              <a:rPr lang="de-DE" dirty="0" err="1">
+              <a:rPr lang="de-DE" err="1">
                 <a:cs typeface="Calibri"/>
               </a:rPr>
               <a:t>Grid</a:t>
             </a:r>
             <a:r>
-              <a:rPr lang="de-DE" dirty="0">
+              <a:rPr lang="de-DE">
                 <a:cs typeface="Calibri"/>
               </a:rPr>
               <a:t> </a:t>
             </a:r>
             <a:r>
-              <a:rPr lang="de-DE" dirty="0" err="1">
+              <a:rPr lang="de-DE" err="1">
                 <a:cs typeface="Calibri"/>
               </a:rPr>
               <a:t>size</a:t>
             </a:r>
             <a:r>
-              <a:rPr lang="de-DE" dirty="0">
+              <a:rPr lang="de-DE">
                 <a:cs typeface="Calibri"/>
               </a:rPr>
               <a:t> </a:t>
             </a:r>
             <a:r>
-              <a:rPr lang="de-DE" i="1" dirty="0">
+              <a:rPr lang="de-DE" i="1">
                 <a:cs typeface="Calibri"/>
               </a:rPr>
               <a:t>N</a:t>
@@ -13189,66 +13196,66 @@
               <a:buChar char="•"/>
             </a:pPr>
             <a:r>
-              <a:rPr lang="de-DE" dirty="0">
+              <a:rPr lang="de-DE">
                 <a:cs typeface="Calibri"/>
               </a:rPr>
               <a:t> </a:t>
             </a:r>
             <a:r>
-              <a:rPr lang="de-DE" dirty="0" err="1">
+              <a:rPr lang="de-DE" err="1">
                 <a:cs typeface="Calibri"/>
               </a:rPr>
               <a:t>Assign</a:t>
             </a:r>
             <a:r>
-              <a:rPr lang="de-DE" dirty="0">
+              <a:rPr lang="de-DE">
                 <a:cs typeface="Calibri"/>
               </a:rPr>
               <a:t> integer </a:t>
             </a:r>
             <a:r>
-              <a:rPr lang="de-DE" dirty="0" err="1">
+              <a:rPr lang="de-DE" err="1">
                 <a:cs typeface="Calibri"/>
               </a:rPr>
               <a:t>value</a:t>
             </a:r>
             <a:r>
-              <a:rPr lang="de-DE" dirty="0">
+              <a:rPr lang="de-DE">
                 <a:cs typeface="Calibri"/>
               </a:rPr>
               <a:t> z(r)     </a:t>
             </a:r>
             <a:r>
-              <a:rPr lang="de-DE" dirty="0" err="1">
+              <a:rPr lang="de-DE" err="1">
                 <a:cs typeface="Calibri"/>
               </a:rPr>
               <a:t>to</a:t>
             </a:r>
             <a:r>
-              <a:rPr lang="de-DE" dirty="0">
+              <a:rPr lang="de-DE">
                 <a:cs typeface="Calibri"/>
               </a:rPr>
               <a:t> </a:t>
             </a:r>
             <a:r>
-              <a:rPr lang="de-DE" dirty="0" err="1">
+              <a:rPr lang="de-DE" err="1">
                 <a:cs typeface="Calibri"/>
               </a:rPr>
               <a:t>each</a:t>
             </a:r>
             <a:r>
-              <a:rPr lang="de-DE" dirty="0">
+              <a:rPr lang="de-DE">
                 <a:cs typeface="Calibri"/>
               </a:rPr>
               <a:t> </a:t>
             </a:r>
             <a:r>
-              <a:rPr lang="de-DE" dirty="0" err="1">
+              <a:rPr lang="de-DE" err="1">
                 <a:cs typeface="Calibri"/>
               </a:rPr>
               <a:t>point</a:t>
             </a:r>
-            <a:endParaRPr lang="de-DE" dirty="0">
+            <a:endParaRPr lang="de-DE">
               <a:cs typeface="Calibri"/>
             </a:endParaRPr>
           </a:p>
@@ -13258,19 +13265,19 @@
               <a:buChar char="•"/>
             </a:pPr>
             <a:r>
-              <a:rPr lang="de-DE" dirty="0">
+              <a:rPr lang="de-DE">
                 <a:cs typeface="Calibri"/>
               </a:rPr>
               <a:t> Average </a:t>
             </a:r>
             <a:r>
-              <a:rPr lang="de-DE" dirty="0" err="1">
+              <a:rPr lang="de-DE" err="1">
                 <a:cs typeface="Calibri"/>
               </a:rPr>
               <a:t>slope</a:t>
             </a:r>
             <a:r>
-              <a:rPr lang="de-DE" dirty="0">
+              <a:rPr lang="de-DE">
                 <a:cs typeface="Calibri"/>
               </a:rPr>
               <a:t>:</a:t>
@@ -13282,31 +13289,31 @@
               <a:buChar char="•"/>
             </a:pPr>
             <a:r>
-              <a:rPr lang="de-DE" dirty="0">
+              <a:rPr lang="de-DE">
                 <a:cs typeface="Calibri"/>
               </a:rPr>
               <a:t> Relax </a:t>
             </a:r>
             <a:r>
-              <a:rPr lang="de-DE" dirty="0" err="1">
+              <a:rPr lang="de-DE" err="1">
                 <a:cs typeface="Calibri"/>
               </a:rPr>
               <a:t>grid</a:t>
             </a:r>
             <a:r>
-              <a:rPr lang="de-DE" dirty="0">
+              <a:rPr lang="de-DE">
                 <a:cs typeface="Calibri"/>
               </a:rPr>
               <a:t> </a:t>
             </a:r>
             <a:r>
-              <a:rPr lang="de-DE" dirty="0" err="1">
+              <a:rPr lang="de-DE" err="1">
                 <a:cs typeface="Calibri"/>
               </a:rPr>
               <a:t>if</a:t>
             </a:r>
             <a:r>
-              <a:rPr lang="de-DE" dirty="0">
+              <a:rPr lang="de-DE">
                 <a:cs typeface="Calibri"/>
               </a:rPr>
               <a:t>:</a:t>
@@ -13427,7 +13434,7 @@
               <a:rPr lang="en-US" smtClean="0"/>
               <a:t>4</a:t>
             </a:fld>
-            <a:endParaRPr lang="en-US" dirty="0"/>
+            <a:endParaRPr lang="en-US"/>
           </a:p>
         </p:txBody>
       </p:sp>
@@ -13517,6 +13524,7 @@
                 </a:bodyPr>
                 <a:lstStyle/>
                 <a:p>
+                  <a:pPr/>
                   <a14:m>
                     <m:oMathPara xmlns:m="http://schemas.openxmlformats.org/officeDocument/2006/math">
                       <m:oMathParaPr>
@@ -13551,7 +13559,7 @@
                       </m:oMath>
                     </m:oMathPara>
                   </a14:m>
-                  <a:endParaRPr lang="en-GB" dirty="0"/>
+                  <a:endParaRPr lang="en-GB"/>
                 </a:p>
               </p:txBody>
             </p:sp>
@@ -13591,7 +13599,7 @@
                 <a:lstStyle/>
                 <a:p>
                   <a:r>
-                    <a:rPr lang="en-GB">
+                    <a:rPr lang="en-US">
                       <a:noFill/>
                     </a:rPr>
                     <a:t> </a:t>
@@ -13631,6 +13639,7 @@
                 </a:bodyPr>
                 <a:lstStyle/>
                 <a:p>
+                  <a:pPr/>
                   <a14:m>
                     <m:oMathPara xmlns:m="http://schemas.openxmlformats.org/officeDocument/2006/math">
                       <m:oMathParaPr>
@@ -13665,7 +13674,7 @@
                       </m:oMath>
                     </m:oMathPara>
                   </a14:m>
-                  <a:endParaRPr lang="en-GB" dirty="0"/>
+                  <a:endParaRPr lang="en-GB"/>
                 </a:p>
               </p:txBody>
             </p:sp>
@@ -13705,7 +13714,7 @@
                 <a:lstStyle/>
                 <a:p>
                   <a:r>
-                    <a:rPr lang="en-GB">
+                    <a:rPr lang="en-US">
                       <a:noFill/>
                     </a:rPr>
                     <a:t> </a:t>
@@ -13745,6 +13754,7 @@
                 </a:bodyPr>
                 <a:lstStyle/>
                 <a:p>
+                  <a:pPr/>
                   <a14:m>
                     <m:oMathPara xmlns:m="http://schemas.openxmlformats.org/officeDocument/2006/math">
                       <m:oMathParaPr>
@@ -13779,7 +13789,7 @@
                       </m:oMath>
                     </m:oMathPara>
                   </a14:m>
-                  <a:endParaRPr lang="en-GB" dirty="0"/>
+                  <a:endParaRPr lang="en-GB"/>
                 </a:p>
               </p:txBody>
             </p:sp>
@@ -13819,7 +13829,7 @@
                 <a:lstStyle/>
                 <a:p>
                   <a:r>
-                    <a:rPr lang="en-GB">
+                    <a:rPr lang="en-US">
                       <a:noFill/>
                     </a:rPr>
                     <a:t> </a:t>
@@ -13859,6 +13869,7 @@
                 </a:bodyPr>
                 <a:lstStyle/>
                 <a:p>
+                  <a:pPr/>
                   <a14:m>
                     <m:oMathPara xmlns:m="http://schemas.openxmlformats.org/officeDocument/2006/math">
                       <m:oMathParaPr>
@@ -13893,7 +13904,7 @@
                       </m:oMath>
                     </m:oMathPara>
                   </a14:m>
-                  <a:endParaRPr lang="en-GB" dirty="0"/>
+                  <a:endParaRPr lang="en-GB"/>
                 </a:p>
               </p:txBody>
             </p:sp>
@@ -13933,7 +13944,7 @@
                 <a:lstStyle/>
                 <a:p>
                   <a:r>
-                    <a:rPr lang="en-GB">
+                    <a:rPr lang="en-US">
                       <a:noFill/>
                     </a:rPr>
                     <a:t> </a:t>
@@ -13996,34 +14007,34 @@
           <a:lstStyle/>
           <a:p>
             <a:r>
-              <a:rPr lang="de-DE" dirty="0">
+              <a:rPr lang="de-DE">
                 <a:ea typeface="Calibri Light"/>
                 <a:cs typeface="Calibri Light"/>
               </a:rPr>
               <a:t>Relaxation and </a:t>
             </a:r>
             <a:r>
-              <a:rPr lang="de-DE" dirty="0" err="1">
+              <a:rPr lang="de-DE" err="1">
                 <a:ea typeface="Calibri Light"/>
                 <a:cs typeface="Calibri Light"/>
               </a:rPr>
               <a:t>boundary</a:t>
             </a:r>
             <a:r>
-              <a:rPr lang="de-DE" dirty="0">
+              <a:rPr lang="de-DE">
                 <a:ea typeface="Calibri Light"/>
                 <a:cs typeface="Calibri Light"/>
               </a:rPr>
               <a:t> </a:t>
             </a:r>
             <a:r>
-              <a:rPr lang="de-DE" dirty="0" err="1">
+              <a:rPr lang="de-DE" err="1">
                 <a:ea typeface="Calibri Light"/>
                 <a:cs typeface="Calibri Light"/>
               </a:rPr>
               <a:t>conditions</a:t>
             </a:r>
-            <a:endParaRPr lang="de-DE" dirty="0" err="1"/>
+            <a:endParaRPr lang="de-DE" err="1"/>
           </a:p>
         </p:txBody>
       </p:sp>
@@ -14059,7 +14070,7 @@
               <a:buFont typeface="Arial" panose="020B0604020202020204" pitchFamily="34" charset="0"/>
               <a:buChar char="•"/>
             </a:pPr>
-            <a:endParaRPr lang="de-DE" dirty="0"/>
+            <a:endParaRPr lang="de-DE"/>
           </a:p>
           <a:p>
             <a:pPr>
@@ -14067,7 +14078,7 @@
               <a:buChar char="•"/>
             </a:pPr>
             <a:r>
-              <a:rPr lang="de-DE" dirty="0"/>
+              <a:rPr lang="de-DE"/>
               <a:t> Relaxation:</a:t>
             </a:r>
           </a:p>
@@ -14076,14 +14087,14 @@
               <a:buFont typeface="Arial" panose="020B0604020202020204" pitchFamily="34" charset="0"/>
               <a:buChar char="•"/>
             </a:pPr>
-            <a:endParaRPr lang="de-DE" dirty="0"/>
+            <a:endParaRPr lang="de-DE"/>
           </a:p>
           <a:p>
             <a:pPr>
               <a:buFont typeface="Arial" panose="020B0604020202020204" pitchFamily="34" charset="0"/>
               <a:buChar char="•"/>
             </a:pPr>
-            <a:endParaRPr lang="de-DE" dirty="0"/>
+            <a:endParaRPr lang="de-DE"/>
           </a:p>
           <a:p>
             <a:pPr>
@@ -14091,37 +14102,37 @@
               <a:buChar char="•"/>
             </a:pPr>
             <a:r>
-              <a:rPr lang="de-DE" dirty="0"/>
+              <a:rPr lang="de-DE"/>
               <a:t> </a:t>
             </a:r>
             <a:r>
-              <a:rPr lang="de-DE" dirty="0" err="1"/>
+              <a:rPr lang="de-DE" err="1"/>
               <a:t>Closed</a:t>
             </a:r>
             <a:r>
-              <a:rPr lang="de-DE" dirty="0"/>
+              <a:rPr lang="de-DE"/>
               <a:t> </a:t>
             </a:r>
             <a:r>
-              <a:rPr lang="de-DE" dirty="0" err="1"/>
+              <a:rPr lang="de-DE" err="1"/>
               <a:t>boundaries</a:t>
             </a:r>
             <a:r>
-              <a:rPr lang="de-DE" dirty="0"/>
+              <a:rPr lang="de-DE"/>
               <a:t>:                        on </a:t>
             </a:r>
             <a:r>
-              <a:rPr lang="de-DE" dirty="0" err="1"/>
+              <a:rPr lang="de-DE" err="1"/>
               <a:t>boundaries</a:t>
             </a:r>
-            <a:endParaRPr lang="de-DE" dirty="0"/>
+            <a:endParaRPr lang="de-DE"/>
           </a:p>
           <a:p>
             <a:pPr>
               <a:buFont typeface="Arial" panose="020B0604020202020204" pitchFamily="34" charset="0"/>
               <a:buChar char="•"/>
             </a:pPr>
-            <a:endParaRPr lang="de-DE" dirty="0"/>
+            <a:endParaRPr lang="de-DE"/>
           </a:p>
           <a:p>
             <a:pPr>
@@ -14129,15 +14140,15 @@
               <a:buChar char="•"/>
             </a:pPr>
             <a:r>
-              <a:rPr lang="de-DE" dirty="0"/>
+              <a:rPr lang="de-DE"/>
               <a:t> Open </a:t>
             </a:r>
             <a:r>
-              <a:rPr lang="de-DE" dirty="0" err="1"/>
+              <a:rPr lang="de-DE" err="1"/>
               <a:t>boundaries</a:t>
             </a:r>
             <a:r>
-              <a:rPr lang="de-DE" dirty="0"/>
+              <a:rPr lang="de-DE"/>
               <a:t>:</a:t>
             </a:r>
           </a:p>
@@ -14146,29 +14157,29 @@
               <a:buFont typeface="Arial" panose="020B0604020202020204" pitchFamily="34" charset="0"/>
               <a:buChar char="•"/>
             </a:pPr>
-            <a:endParaRPr lang="de-DE" dirty="0"/>
+            <a:endParaRPr lang="de-DE"/>
           </a:p>
           <a:p>
             <a:pPr>
               <a:buFont typeface="Arial" panose="020B0604020202020204" pitchFamily="34" charset="0"/>
               <a:buChar char="•"/>
             </a:pPr>
-            <a:endParaRPr lang="de-DE" dirty="0"/>
+            <a:endParaRPr lang="de-DE"/>
           </a:p>
           <a:p>
             <a:pPr marL="0" indent="0">
               <a:buNone/>
             </a:pPr>
             <a:r>
-              <a:rPr lang="de-DE" dirty="0"/>
+              <a:rPr lang="de-DE"/>
               <a:t>                       on </a:t>
             </a:r>
             <a:r>
-              <a:rPr lang="de-DE" dirty="0" err="1"/>
+              <a:rPr lang="de-DE" err="1"/>
               <a:t>boundaries</a:t>
             </a:r>
             <a:r>
-              <a:rPr lang="de-DE" dirty="0"/>
+              <a:rPr lang="de-DE"/>
               <a:t>, where </a:t>
             </a:r>
           </a:p>
@@ -14434,7 +14445,7 @@
               <a:rPr lang="en-US" smtClean="0"/>
               <a:t>5</a:t>
             </a:fld>
-            <a:endParaRPr lang="en-US" dirty="0"/>
+            <a:endParaRPr lang="en-US"/>
           </a:p>
         </p:txBody>
       </p:sp>
@@ -14657,14 +14668,14 @@
               <a:lstStyle/>
               <a:p>
                 <a:r>
-                  <a:rPr lang="de-DE" dirty="0">
+                  <a:rPr lang="de-DE">
                     <a:solidFill>
                       <a:srgbClr val="FF0000"/>
                     </a:solidFill>
                   </a:rPr>
                   <a:t>-4</a:t>
                 </a:r>
-                <a:endParaRPr lang="en-GB" dirty="0">
+                <a:endParaRPr lang="en-GB">
                   <a:solidFill>
                     <a:srgbClr val="FF0000"/>
                   </a:solidFill>
@@ -14755,14 +14766,14 @@
               <a:lstStyle/>
               <a:p>
                 <a:r>
-                  <a:rPr lang="de-DE" dirty="0">
+                  <a:rPr lang="de-DE">
                     <a:solidFill>
                       <a:srgbClr val="FF0000"/>
                     </a:solidFill>
                   </a:rPr>
                   <a:t>+1</a:t>
                 </a:r>
-                <a:endParaRPr lang="en-GB" dirty="0">
+                <a:endParaRPr lang="en-GB">
                   <a:solidFill>
                     <a:srgbClr val="FF0000"/>
                   </a:solidFill>
@@ -14853,14 +14864,14 @@
               <a:lstStyle/>
               <a:p>
                 <a:r>
-                  <a:rPr lang="de-DE" dirty="0">
+                  <a:rPr lang="de-DE">
                     <a:solidFill>
                       <a:srgbClr val="FF0000"/>
                     </a:solidFill>
                   </a:rPr>
                   <a:t>+1</a:t>
                 </a:r>
-                <a:endParaRPr lang="en-GB" dirty="0">
+                <a:endParaRPr lang="en-GB">
                   <a:solidFill>
                     <a:srgbClr val="FF0000"/>
                   </a:solidFill>
@@ -14951,14 +14962,14 @@
               <a:lstStyle/>
               <a:p>
                 <a:r>
-                  <a:rPr lang="de-DE" dirty="0">
+                  <a:rPr lang="de-DE">
                     <a:solidFill>
                       <a:srgbClr val="FF0000"/>
                     </a:solidFill>
                   </a:rPr>
                   <a:t>+1</a:t>
                 </a:r>
-                <a:endParaRPr lang="en-GB" dirty="0">
+                <a:endParaRPr lang="en-GB">
                   <a:solidFill>
                     <a:srgbClr val="FF0000"/>
                   </a:solidFill>
@@ -15049,14 +15060,14 @@
               <a:lstStyle/>
               <a:p>
                 <a:r>
-                  <a:rPr lang="de-DE" dirty="0">
+                  <a:rPr lang="de-DE">
                     <a:solidFill>
                       <a:srgbClr val="FF0000"/>
                     </a:solidFill>
                   </a:rPr>
                   <a:t>+1</a:t>
                 </a:r>
-                <a:endParaRPr lang="en-GB" dirty="0">
+                <a:endParaRPr lang="en-GB">
                   <a:solidFill>
                     <a:srgbClr val="FF0000"/>
                   </a:solidFill>
@@ -15118,20 +15129,20 @@
           <a:lstStyle/>
           <a:p>
             <a:r>
-              <a:rPr lang="de-DE" dirty="0">
+              <a:rPr lang="de-DE">
                 <a:ea typeface="Calibri Light"/>
                 <a:cs typeface="Calibri Light"/>
               </a:rPr>
               <a:t>Perturbation </a:t>
             </a:r>
             <a:r>
-              <a:rPr lang="de-DE" dirty="0" err="1">
+              <a:rPr lang="de-DE" err="1">
                 <a:ea typeface="Calibri Light"/>
                 <a:cs typeface="Calibri Light"/>
               </a:rPr>
               <a:t>mechanism</a:t>
             </a:r>
-            <a:endParaRPr lang="de-DE" dirty="0" err="1"/>
+            <a:endParaRPr lang="de-DE" err="1"/>
           </a:p>
         </p:txBody>
       </p:sp>
@@ -15160,7 +15171,7 @@
               <a:buFont typeface="Arial" panose="020B0604020202020204" pitchFamily="34" charset="0"/>
               <a:buChar char="•"/>
             </a:pPr>
-            <a:endParaRPr lang="de-DE" dirty="0"/>
+            <a:endParaRPr lang="de-DE"/>
           </a:p>
           <a:p>
             <a:pPr>
@@ -15168,45 +15179,45 @@
               <a:buChar char="•"/>
             </a:pPr>
             <a:r>
-              <a:rPr lang="de-DE" dirty="0"/>
+              <a:rPr lang="de-DE"/>
               <a:t> Random </a:t>
             </a:r>
             <a:r>
-              <a:rPr lang="de-DE" dirty="0" err="1"/>
+              <a:rPr lang="de-DE" err="1"/>
               <a:t>perturbations</a:t>
             </a:r>
             <a:r>
-              <a:rPr lang="de-DE" dirty="0"/>
+              <a:rPr lang="de-DE"/>
               <a:t> </a:t>
             </a:r>
             <a:r>
-              <a:rPr lang="de-DE" dirty="0" err="1"/>
+              <a:rPr lang="de-DE" err="1"/>
               <a:t>of</a:t>
             </a:r>
             <a:r>
-              <a:rPr lang="de-DE" dirty="0"/>
+              <a:rPr lang="de-DE"/>
               <a:t> </a:t>
             </a:r>
             <a:r>
-              <a:rPr lang="de-DE" dirty="0" err="1"/>
+              <a:rPr lang="de-DE" err="1"/>
               <a:t>the</a:t>
             </a:r>
             <a:r>
-              <a:rPr lang="de-DE" dirty="0"/>
+              <a:rPr lang="de-DE"/>
               <a:t> </a:t>
             </a:r>
             <a:r>
-              <a:rPr lang="de-DE" dirty="0" err="1"/>
+              <a:rPr lang="de-DE" err="1"/>
               <a:t>system</a:t>
             </a:r>
-            <a:endParaRPr lang="de-DE" dirty="0"/>
+            <a:endParaRPr lang="de-DE"/>
           </a:p>
           <a:p>
             <a:pPr>
               <a:buFont typeface="Arial" panose="020B0604020202020204" pitchFamily="34" charset="0"/>
               <a:buChar char="•"/>
             </a:pPr>
-            <a:endParaRPr lang="de-DE" dirty="0"/>
+            <a:endParaRPr lang="de-DE"/>
           </a:p>
           <a:p>
             <a:pPr>
@@ -15214,23 +15225,23 @@
               <a:buChar char="•"/>
             </a:pPr>
             <a:r>
-              <a:rPr lang="de-DE" dirty="0"/>
+              <a:rPr lang="de-DE"/>
               <a:t> </a:t>
             </a:r>
             <a:r>
-              <a:rPr lang="de-DE" dirty="0" err="1"/>
+              <a:rPr lang="de-DE" err="1"/>
               <a:t>Conservative</a:t>
             </a:r>
             <a:r>
-              <a:rPr lang="de-DE" dirty="0"/>
+              <a:rPr lang="de-DE"/>
               <a:t> </a:t>
             </a:r>
             <a:r>
-              <a:rPr lang="de-DE" dirty="0" err="1"/>
+              <a:rPr lang="de-DE" err="1"/>
               <a:t>perturbation</a:t>
             </a:r>
             <a:r>
-              <a:rPr lang="de-DE" dirty="0"/>
+              <a:rPr lang="de-DE"/>
               <a:t>:</a:t>
             </a:r>
           </a:p>
@@ -15239,28 +15250,28 @@
               <a:buFont typeface="Arial" panose="020B0604020202020204" pitchFamily="34" charset="0"/>
               <a:buChar char="•"/>
             </a:pPr>
-            <a:endParaRPr lang="de-DE" dirty="0"/>
+            <a:endParaRPr lang="de-DE"/>
           </a:p>
           <a:p>
             <a:pPr>
               <a:buFont typeface="Arial" panose="020B0604020202020204" pitchFamily="34" charset="0"/>
               <a:buChar char="•"/>
             </a:pPr>
-            <a:endParaRPr lang="de-DE" dirty="0"/>
+            <a:endParaRPr lang="de-DE"/>
           </a:p>
           <a:p>
             <a:pPr>
               <a:buFont typeface="Arial" panose="020B0604020202020204" pitchFamily="34" charset="0"/>
               <a:buChar char="•"/>
             </a:pPr>
-            <a:endParaRPr lang="de-DE" dirty="0"/>
+            <a:endParaRPr lang="de-DE"/>
           </a:p>
           <a:p>
             <a:pPr>
               <a:buFont typeface="Arial" panose="020B0604020202020204" pitchFamily="34" charset="0"/>
               <a:buChar char="•"/>
             </a:pPr>
-            <a:endParaRPr lang="de-DE" dirty="0"/>
+            <a:endParaRPr lang="de-DE"/>
           </a:p>
         </p:txBody>
       </p:sp>
@@ -15434,7 +15445,7 @@
               <a:rPr lang="en-US" smtClean="0"/>
               <a:t>6</a:t>
             </a:fld>
-            <a:endParaRPr lang="en-US" dirty="0"/>
+            <a:endParaRPr lang="en-US"/>
           </a:p>
         </p:txBody>
       </p:sp>
@@ -15597,14 +15608,14 @@
               <a:lstStyle/>
               <a:p>
                 <a:r>
-                  <a:rPr lang="de-DE" dirty="0">
+                  <a:rPr lang="de-DE">
                     <a:solidFill>
                       <a:srgbClr val="FF0000"/>
                     </a:solidFill>
                   </a:rPr>
                   <a:t>+2</a:t>
                 </a:r>
-                <a:endParaRPr lang="en-GB" dirty="0">
+                <a:endParaRPr lang="en-GB">
                   <a:solidFill>
                     <a:srgbClr val="FF0000"/>
                   </a:solidFill>
@@ -15695,14 +15706,14 @@
               <a:lstStyle/>
               <a:p>
                 <a:r>
-                  <a:rPr lang="de-DE" dirty="0">
+                  <a:rPr lang="de-DE">
                     <a:solidFill>
                       <a:srgbClr val="FF0000"/>
                     </a:solidFill>
                   </a:rPr>
                   <a:t>-1</a:t>
                 </a:r>
-                <a:endParaRPr lang="en-GB" dirty="0">
+                <a:endParaRPr lang="en-GB">
                   <a:solidFill>
                     <a:srgbClr val="FF0000"/>
                   </a:solidFill>
@@ -15793,14 +15804,14 @@
               <a:lstStyle/>
               <a:p>
                 <a:r>
-                  <a:rPr lang="de-DE" dirty="0">
+                  <a:rPr lang="de-DE">
                     <a:solidFill>
                       <a:srgbClr val="FF0000"/>
                     </a:solidFill>
                   </a:rPr>
                   <a:t>-1</a:t>
                 </a:r>
-                <a:endParaRPr lang="en-GB" dirty="0">
+                <a:endParaRPr lang="en-GB">
                   <a:solidFill>
                     <a:srgbClr val="FF0000"/>
                   </a:solidFill>
@@ -15839,14 +15850,14 @@
           <a:lstStyle/>
           <a:p>
             <a:r>
-              <a:rPr lang="de-DE" dirty="0">
+              <a:rPr lang="de-DE">
                 <a:solidFill>
                   <a:srgbClr val="00B050"/>
                 </a:solidFill>
               </a:rPr>
               <a:t>+1</a:t>
             </a:r>
-            <a:endParaRPr lang="en-GB" dirty="0">
+            <a:endParaRPr lang="en-GB">
               <a:solidFill>
                 <a:srgbClr val="00B050"/>
               </a:solidFill>
@@ -15883,14 +15894,14 @@
           <a:lstStyle/>
           <a:p>
             <a:r>
-              <a:rPr lang="de-DE" dirty="0">
+              <a:rPr lang="de-DE">
                 <a:solidFill>
                   <a:srgbClr val="00B050"/>
                 </a:solidFill>
               </a:rPr>
               <a:t>+1</a:t>
             </a:r>
-            <a:endParaRPr lang="en-GB" dirty="0">
+            <a:endParaRPr lang="en-GB">
               <a:solidFill>
                 <a:srgbClr val="00B050"/>
               </a:solidFill>
@@ -15980,20 +15991,20 @@
           <a:lstStyle/>
           <a:p>
             <a:r>
-              <a:rPr lang="de-DE" dirty="0">
+              <a:rPr lang="de-DE">
                 <a:ea typeface="Calibri Light"/>
                 <a:cs typeface="Calibri Light"/>
               </a:rPr>
               <a:t>Perturbation </a:t>
             </a:r>
             <a:r>
-              <a:rPr lang="de-DE" dirty="0" err="1">
+              <a:rPr lang="de-DE" err="1">
                 <a:ea typeface="Calibri Light"/>
                 <a:cs typeface="Calibri Light"/>
               </a:rPr>
               <a:t>mechanism</a:t>
             </a:r>
-            <a:endParaRPr lang="de-DE" dirty="0" err="1"/>
+            <a:endParaRPr lang="de-DE" err="1"/>
           </a:p>
         </p:txBody>
       </p:sp>
@@ -16022,7 +16033,7 @@
               <a:buFont typeface="Arial" panose="020B0604020202020204" pitchFamily="34" charset="0"/>
               <a:buChar char="•"/>
             </a:pPr>
-            <a:endParaRPr lang="de-DE" dirty="0"/>
+            <a:endParaRPr lang="de-DE"/>
           </a:p>
           <a:p>
             <a:pPr>
@@ -16030,45 +16041,45 @@
               <a:buChar char="•"/>
             </a:pPr>
             <a:r>
-              <a:rPr lang="de-DE" dirty="0"/>
+              <a:rPr lang="de-DE"/>
               <a:t> Random </a:t>
             </a:r>
             <a:r>
-              <a:rPr lang="de-DE" dirty="0" err="1"/>
+              <a:rPr lang="de-DE" err="1"/>
               <a:t>perturbations</a:t>
             </a:r>
             <a:r>
-              <a:rPr lang="de-DE" dirty="0"/>
+              <a:rPr lang="de-DE"/>
               <a:t> </a:t>
             </a:r>
             <a:r>
-              <a:rPr lang="de-DE" dirty="0" err="1"/>
+              <a:rPr lang="de-DE" err="1"/>
               <a:t>of</a:t>
             </a:r>
             <a:r>
-              <a:rPr lang="de-DE" dirty="0"/>
+              <a:rPr lang="de-DE"/>
               <a:t> </a:t>
             </a:r>
             <a:r>
-              <a:rPr lang="de-DE" dirty="0" err="1"/>
+              <a:rPr lang="de-DE" err="1"/>
               <a:t>the</a:t>
             </a:r>
             <a:r>
-              <a:rPr lang="de-DE" dirty="0"/>
+              <a:rPr lang="de-DE"/>
               <a:t> </a:t>
             </a:r>
             <a:r>
-              <a:rPr lang="de-DE" dirty="0" err="1"/>
+              <a:rPr lang="de-DE" err="1"/>
               <a:t>system</a:t>
             </a:r>
-            <a:endParaRPr lang="de-DE" dirty="0"/>
+            <a:endParaRPr lang="de-DE"/>
           </a:p>
           <a:p>
             <a:pPr>
               <a:buFont typeface="Arial" panose="020B0604020202020204" pitchFamily="34" charset="0"/>
               <a:buChar char="•"/>
             </a:pPr>
-            <a:endParaRPr lang="de-DE" dirty="0"/>
+            <a:endParaRPr lang="de-DE"/>
           </a:p>
           <a:p>
             <a:pPr>
@@ -16076,23 +16087,23 @@
               <a:buChar char="•"/>
             </a:pPr>
             <a:r>
-              <a:rPr lang="de-DE" dirty="0"/>
+              <a:rPr lang="de-DE"/>
               <a:t> </a:t>
             </a:r>
             <a:r>
-              <a:rPr lang="de-DE" dirty="0" err="1"/>
+              <a:rPr lang="de-DE" err="1"/>
               <a:t>Conservative</a:t>
             </a:r>
             <a:r>
-              <a:rPr lang="de-DE" dirty="0"/>
+              <a:rPr lang="de-DE"/>
               <a:t> </a:t>
             </a:r>
             <a:r>
-              <a:rPr lang="de-DE" dirty="0" err="1"/>
+              <a:rPr lang="de-DE" err="1"/>
               <a:t>perturbation</a:t>
             </a:r>
             <a:r>
-              <a:rPr lang="de-DE" dirty="0"/>
+              <a:rPr lang="de-DE"/>
               <a:t>:</a:t>
             </a:r>
           </a:p>
@@ -16101,21 +16112,21 @@
               <a:buFont typeface="Arial" panose="020B0604020202020204" pitchFamily="34" charset="0"/>
               <a:buChar char="•"/>
             </a:pPr>
-            <a:endParaRPr lang="de-DE" dirty="0"/>
+            <a:endParaRPr lang="de-DE"/>
           </a:p>
           <a:p>
             <a:pPr>
               <a:buFont typeface="Arial" panose="020B0604020202020204" pitchFamily="34" charset="0"/>
               <a:buChar char="•"/>
             </a:pPr>
-            <a:endParaRPr lang="de-DE" dirty="0"/>
+            <a:endParaRPr lang="de-DE"/>
           </a:p>
           <a:p>
             <a:pPr>
               <a:buFont typeface="Arial" panose="020B0604020202020204" pitchFamily="34" charset="0"/>
               <a:buChar char="•"/>
             </a:pPr>
-            <a:endParaRPr lang="de-DE" dirty="0"/>
+            <a:endParaRPr lang="de-DE"/>
           </a:p>
           <a:p>
             <a:pPr>
@@ -16123,23 +16134,23 @@
               <a:buChar char="•"/>
             </a:pPr>
             <a:r>
-              <a:rPr lang="de-DE" dirty="0"/>
+              <a:rPr lang="de-DE"/>
               <a:t> Non </a:t>
             </a:r>
             <a:r>
-              <a:rPr lang="de-DE" dirty="0" err="1"/>
+              <a:rPr lang="de-DE" err="1"/>
               <a:t>conservative</a:t>
             </a:r>
             <a:r>
-              <a:rPr lang="de-DE" dirty="0"/>
+              <a:rPr lang="de-DE"/>
               <a:t> </a:t>
             </a:r>
             <a:r>
-              <a:rPr lang="de-DE" dirty="0" err="1"/>
+              <a:rPr lang="de-DE" err="1"/>
               <a:t>perturbation</a:t>
             </a:r>
             <a:r>
-              <a:rPr lang="de-DE" dirty="0"/>
+              <a:rPr lang="de-DE"/>
               <a:t>:</a:t>
             </a:r>
           </a:p>
@@ -16148,7 +16159,7 @@
               <a:buFont typeface="Arial" panose="020B0604020202020204" pitchFamily="34" charset="0"/>
               <a:buChar char="•"/>
             </a:pPr>
-            <a:endParaRPr lang="de-DE" dirty="0"/>
+            <a:endParaRPr lang="de-DE"/>
           </a:p>
         </p:txBody>
       </p:sp>
@@ -16382,7 +16393,7 @@
               <a:rPr lang="en-US" smtClean="0"/>
               <a:t>7</a:t>
             </a:fld>
-            <a:endParaRPr lang="en-US" dirty="0"/>
+            <a:endParaRPr lang="en-US"/>
           </a:p>
         </p:txBody>
       </p:sp>
@@ -16545,14 +16556,14 @@
               <a:lstStyle/>
               <a:p>
                 <a:r>
-                  <a:rPr lang="de-DE" dirty="0">
+                  <a:rPr lang="de-DE">
                     <a:solidFill>
                       <a:srgbClr val="FF0000"/>
                     </a:solidFill>
                   </a:rPr>
                   <a:t>+1</a:t>
                 </a:r>
-                <a:endParaRPr lang="en-GB" dirty="0">
+                <a:endParaRPr lang="en-GB">
                   <a:solidFill>
                     <a:srgbClr val="FF0000"/>
                   </a:solidFill>
@@ -16591,14 +16602,14 @@
           <a:lstStyle/>
           <a:p>
             <a:r>
-              <a:rPr lang="de-DE" dirty="0">
+              <a:rPr lang="de-DE">
                 <a:solidFill>
                   <a:srgbClr val="00B050"/>
                 </a:solidFill>
               </a:rPr>
               <a:t>+1</a:t>
             </a:r>
-            <a:endParaRPr lang="en-GB" dirty="0">
+            <a:endParaRPr lang="en-GB">
               <a:solidFill>
                 <a:srgbClr val="00B050"/>
               </a:solidFill>
@@ -16635,14 +16646,14 @@
           <a:lstStyle/>
           <a:p>
             <a:r>
-              <a:rPr lang="de-DE" dirty="0">
+              <a:rPr lang="de-DE">
                 <a:solidFill>
                   <a:srgbClr val="00B050"/>
                 </a:solidFill>
               </a:rPr>
               <a:t>+1</a:t>
             </a:r>
-            <a:endParaRPr lang="en-GB" dirty="0">
+            <a:endParaRPr lang="en-GB">
               <a:solidFill>
                 <a:srgbClr val="00B050"/>
               </a:solidFill>
@@ -16679,14 +16690,14 @@
           <a:lstStyle/>
           <a:p>
             <a:r>
-              <a:rPr lang="de-DE" dirty="0">
+              <a:rPr lang="de-DE">
                 <a:solidFill>
                   <a:srgbClr val="00B050"/>
                 </a:solidFill>
               </a:rPr>
               <a:t>+1</a:t>
             </a:r>
-            <a:endParaRPr lang="en-GB" dirty="0">
+            <a:endParaRPr lang="en-GB">
               <a:solidFill>
                 <a:srgbClr val="00B050"/>
               </a:solidFill>
@@ -16749,14 +16760,14 @@
               <a:buFont typeface="Arial" panose="020B0604020202020204" pitchFamily="34" charset="0"/>
               <a:buChar char="•"/>
             </a:pPr>
-            <a:endParaRPr lang="de-DE" dirty="0"/>
+            <a:endParaRPr lang="de-DE"/>
           </a:p>
           <a:p>
             <a:pPr>
               <a:buFont typeface="Arial" panose="020B0604020202020204" pitchFamily="34" charset="0"/>
               <a:buChar char="•"/>
             </a:pPr>
-            <a:endParaRPr lang="de-DE" dirty="0"/>
+            <a:endParaRPr lang="de-DE"/>
           </a:p>
           <a:p>
             <a:pPr>
@@ -16764,23 +16775,23 @@
               <a:buChar char="•"/>
             </a:pPr>
             <a:r>
-              <a:rPr lang="de-DE" dirty="0"/>
+              <a:rPr lang="de-DE"/>
               <a:t> </a:t>
             </a:r>
             <a:r>
-              <a:rPr lang="de-DE" dirty="0" err="1"/>
+              <a:rPr lang="de-DE" err="1"/>
               <a:t>Indicator</a:t>
             </a:r>
             <a:r>
-              <a:rPr lang="de-DE" dirty="0"/>
+              <a:rPr lang="de-DE"/>
               <a:t> </a:t>
             </a:r>
             <a:r>
-              <a:rPr lang="de-DE" dirty="0" err="1"/>
+              <a:rPr lang="de-DE" err="1"/>
               <a:t>function</a:t>
             </a:r>
             <a:r>
-              <a:rPr lang="de-DE" dirty="0"/>
+              <a:rPr lang="de-DE"/>
               <a:t>:</a:t>
             </a:r>
           </a:p>
@@ -16788,7 +16799,7 @@
             <a:pPr marL="0" indent="0">
               <a:buNone/>
             </a:pPr>
-            <a:endParaRPr lang="en-GB" dirty="0"/>
+            <a:endParaRPr lang="en-GB"/>
           </a:p>
           <a:p>
             <a:pPr>
@@ -16796,7 +16807,7 @@
               <a:buChar char="•"/>
             </a:pPr>
             <a:r>
-              <a:rPr lang="en-GB" dirty="0"/>
+              <a:rPr lang="en-GB"/>
               <a:t> Instantaneous dissipation rate:</a:t>
             </a:r>
           </a:p>
@@ -16805,7 +16816,7 @@
               <a:buFont typeface="Arial" panose="020B0604020202020204" pitchFamily="34" charset="0"/>
               <a:buChar char="•"/>
             </a:pPr>
-            <a:endParaRPr lang="en-GB" dirty="0"/>
+            <a:endParaRPr lang="en-GB"/>
           </a:p>
           <a:p>
             <a:pPr>
@@ -16813,7 +16824,7 @@
               <a:buChar char="•"/>
             </a:pPr>
             <a:r>
-              <a:rPr lang="en-GB" dirty="0"/>
+              <a:rPr lang="en-GB"/>
               <a:t> Total dissipation rate</a:t>
             </a:r>
           </a:p>
@@ -16822,28 +16833,28 @@
               <a:buFont typeface="Arial" panose="020B0604020202020204" pitchFamily="34" charset="0"/>
               <a:buChar char="•"/>
             </a:pPr>
-            <a:endParaRPr lang="en-GB" dirty="0"/>
+            <a:endParaRPr lang="en-GB"/>
           </a:p>
           <a:p>
             <a:pPr>
               <a:buFont typeface="Arial" panose="020B0604020202020204" pitchFamily="34" charset="0"/>
               <a:buChar char="•"/>
             </a:pPr>
-            <a:endParaRPr lang="en-GB" dirty="0"/>
+            <a:endParaRPr lang="en-GB"/>
           </a:p>
           <a:p>
             <a:pPr>
               <a:buFont typeface="Arial" panose="020B0604020202020204" pitchFamily="34" charset="0"/>
               <a:buChar char="•"/>
             </a:pPr>
-            <a:endParaRPr lang="en-GB" dirty="0"/>
+            <a:endParaRPr lang="en-GB"/>
           </a:p>
           <a:p>
             <a:pPr>
               <a:buFont typeface="Arial" panose="020B0604020202020204" pitchFamily="34" charset="0"/>
               <a:buChar char="•"/>
             </a:pPr>
-            <a:endParaRPr lang="en-GB" dirty="0"/>
+            <a:endParaRPr lang="en-GB"/>
           </a:p>
         </p:txBody>
       </p:sp>
@@ -16869,34 +16880,34 @@
           <a:lstStyle/>
           <a:p>
             <a:r>
-              <a:rPr lang="de-DE" dirty="0" err="1">
+              <a:rPr lang="de-DE" err="1">
                 <a:ea typeface="Calibri Light"/>
                 <a:cs typeface="Calibri Light"/>
               </a:rPr>
               <a:t>Derived</a:t>
             </a:r>
             <a:r>
-              <a:rPr lang="de-DE" dirty="0">
+              <a:rPr lang="de-DE">
                 <a:ea typeface="Calibri Light"/>
                 <a:cs typeface="Calibri Light"/>
               </a:rPr>
               <a:t> </a:t>
             </a:r>
             <a:r>
-              <a:rPr lang="de-DE" dirty="0" err="1">
+              <a:rPr lang="de-DE" err="1">
                 <a:ea typeface="Calibri Light"/>
                 <a:cs typeface="Calibri Light"/>
               </a:rPr>
               <a:t>quantities</a:t>
             </a:r>
             <a:r>
-              <a:rPr lang="de-DE" dirty="0">
+              <a:rPr lang="de-DE">
                 <a:ea typeface="Calibri Light"/>
                 <a:cs typeface="Calibri Light"/>
               </a:rPr>
               <a:t> - I</a:t>
             </a:r>
-            <a:endParaRPr lang="de-DE" dirty="0"/>
+            <a:endParaRPr lang="de-DE"/>
           </a:p>
         </p:txBody>
       </p:sp>
@@ -17160,7 +17171,7 @@
               <a:rPr lang="en-US" smtClean="0"/>
               <a:t>8</a:t>
             </a:fld>
-            <a:endParaRPr lang="en-US" dirty="0"/>
+            <a:endParaRPr lang="en-US"/>
           </a:p>
         </p:txBody>
       </p:sp>
@@ -17216,22 +17227,22 @@
           <a:lstStyle/>
           <a:p>
             <a:r>
-              <a:rPr lang="de-DE" dirty="0" err="1"/>
+              <a:rPr lang="de-DE" err="1"/>
               <a:t>Derived</a:t>
             </a:r>
             <a:r>
-              <a:rPr lang="de-DE" dirty="0"/>
+              <a:rPr lang="de-DE"/>
               <a:t> </a:t>
             </a:r>
             <a:r>
-              <a:rPr lang="de-DE" dirty="0" err="1"/>
+              <a:rPr lang="de-DE" err="1"/>
               <a:t>quantities</a:t>
             </a:r>
             <a:r>
-              <a:rPr lang="de-DE" dirty="0"/>
+              <a:rPr lang="de-DE"/>
               <a:t> - II</a:t>
             </a:r>
-            <a:endParaRPr lang="en-GB" dirty="0"/>
+            <a:endParaRPr lang="en-GB"/>
           </a:p>
         </p:txBody>
       </p:sp>
@@ -17256,10 +17267,10 @@
           <a:bodyPr/>
           <a:lstStyle/>
           <a:p>
-            <a:endParaRPr lang="de-DE" dirty="0"/>
-          </a:p>
-          <a:p>
-            <a:endParaRPr lang="de-DE" dirty="0"/>
+            <a:endParaRPr lang="de-DE"/>
+          </a:p>
+          <a:p>
+            <a:endParaRPr lang="de-DE"/>
           </a:p>
           <a:p>
             <a:pPr>
@@ -17267,7 +17278,7 @@
               <a:buChar char="•"/>
             </a:pPr>
             <a:r>
-              <a:rPr lang="en-GB" dirty="0"/>
+              <a:rPr lang="en-GB"/>
               <a:t> Lifetime:</a:t>
             </a:r>
           </a:p>
@@ -17276,7 +17287,7 @@
               <a:buFont typeface="Arial" panose="020B0604020202020204" pitchFamily="34" charset="0"/>
               <a:buChar char="•"/>
             </a:pPr>
-            <a:endParaRPr lang="en-GB" dirty="0"/>
+            <a:endParaRPr lang="en-GB"/>
           </a:p>
           <a:p>
             <a:pPr>
@@ -17284,7 +17295,7 @@
               <a:buChar char="•"/>
             </a:pPr>
             <a:r>
-              <a:rPr lang="en-GB" dirty="0"/>
+              <a:rPr lang="en-GB"/>
               <a:t> Linear spatial size:</a:t>
             </a:r>
           </a:p>
@@ -17375,7 +17386,7 @@
               <a:rPr lang="en-US" smtClean="0"/>
               <a:t>9</a:t>
             </a:fld>
-            <a:endParaRPr lang="en-US" dirty="0"/>
+            <a:endParaRPr lang="en-US"/>
           </a:p>
         </p:txBody>
       </p:sp>
